--- a/slide-decks/routing-pattern.pptx
+++ b/slide-decks/routing-pattern.pptx
@@ -4,11 +4,13 @@
   <p:sldMasterIdLst>
     <p:sldMasterId id="2147483660" r:id="rId1"/>
   </p:sldMasterIdLst>
+  <p:notesMasterIdLst>
+    <p:notesMasterId r:id="rId5"/>
+  </p:notesMasterIdLst>
   <p:sldIdLst>
-    <p:sldId id="264" r:id="rId2"/>
-    <p:sldId id="263" r:id="rId3"/>
-    <p:sldId id="267" r:id="rId4"/>
-    <p:sldId id="266" r:id="rId5"/>
+    <p:sldId id="263" r:id="rId2"/>
+    <p:sldId id="267" r:id="rId3"/>
+    <p:sldId id="266" r:id="rId4"/>
   </p:sldIdLst>
   <p:sldSz cx="12192000" cy="6858000"/>
   <p:notesSz cx="6858000" cy="9144000"/>
@@ -107,6 +109,11 @@
       </a:defRPr>
     </a:lvl9pPr>
   </p:defaultTextStyle>
+  <p:extLst>
+    <p:ext uri="{EFAFB233-063F-42B5-8137-9DF3F51BA10A}">
+      <p15:sldGuideLst xmlns:p15="http://schemas.microsoft.com/office/powerpoint/2012/main"/>
+    </p:ext>
+  </p:extLst>
 </p:presentation>
 </file>
 
@@ -1716,7 +1723,7 @@
   <dgm:whole/>
   <dgm:extLst>
     <a:ext uri="http://schemas.microsoft.com/office/drawing/2008/diagram">
-      <dsp:dataModelExt xmlns:dsp="http://schemas.microsoft.com/office/drawing/2008/diagram" relId="rId6" minVer="http://schemas.openxmlformats.org/drawingml/2006/diagram"/>
+      <dsp:dataModelExt xmlns:dsp="http://schemas.microsoft.com/office/drawing/2008/diagram" relId="rId7" minVer="http://schemas.openxmlformats.org/drawingml/2006/diagram"/>
     </a:ext>
     <a:ext uri="{C62137D5-CB1D-491B-B009-E17868A290BF}">
       <dgm14:recolorImg xmlns:dgm14="http://schemas.microsoft.com/office/drawing/2010/diagram" val="1"/>
@@ -4758,6 +4765,1176 @@
 </dgm:styleDef>
 </file>
 
+<file path=ppt/notesMasters/notesMaster1.xml><?xml version="1.0" encoding="utf-8"?>
+<p:notesMaster xmlns:a="http://schemas.openxmlformats.org/drawingml/2006/main" xmlns:r="http://schemas.openxmlformats.org/officeDocument/2006/relationships" xmlns:p="http://schemas.openxmlformats.org/presentationml/2006/main">
+  <p:cSld>
+    <p:bg>
+      <p:bgRef idx="1001">
+        <a:schemeClr val="bg1"/>
+      </p:bgRef>
+    </p:bg>
+    <p:spTree>
+      <p:nvGrpSpPr>
+        <p:cNvPr id="1" name=""/>
+        <p:cNvGrpSpPr/>
+        <p:nvPr/>
+      </p:nvGrpSpPr>
+      <p:grpSpPr>
+        <a:xfrm>
+          <a:off x="0" y="0"/>
+          <a:ext cx="0" cy="0"/>
+          <a:chOff x="0" y="0"/>
+          <a:chExt cx="0" cy="0"/>
+        </a:xfrm>
+      </p:grpSpPr>
+      <p:sp>
+        <p:nvSpPr>
+          <p:cNvPr id="2" name="Header Placeholder 1"/>
+          <p:cNvSpPr>
+            <a:spLocks noGrp="1"/>
+          </p:cNvSpPr>
+          <p:nvPr>
+            <p:ph type="hdr" sz="quarter"/>
+          </p:nvPr>
+        </p:nvSpPr>
+        <p:spPr>
+          <a:xfrm>
+            <a:off x="0" y="0"/>
+            <a:ext cx="2971800" cy="458788"/>
+          </a:xfrm>
+          <a:prstGeom prst="rect">
+            <a:avLst/>
+          </a:prstGeom>
+        </p:spPr>
+        <p:txBody>
+          <a:bodyPr vert="horz" lIns="91440" tIns="45720" rIns="91440" bIns="45720" rtlCol="0"/>
+          <a:lstStyle>
+            <a:lvl1pPr algn="l">
+              <a:defRPr sz="1200"/>
+            </a:lvl1pPr>
+          </a:lstStyle>
+          <a:p>
+            <a:endParaRPr lang="en-AU"/>
+          </a:p>
+        </p:txBody>
+      </p:sp>
+      <p:sp>
+        <p:nvSpPr>
+          <p:cNvPr id="3" name="Date Placeholder 2"/>
+          <p:cNvSpPr>
+            <a:spLocks noGrp="1"/>
+          </p:cNvSpPr>
+          <p:nvPr>
+            <p:ph type="dt" idx="1"/>
+          </p:nvPr>
+        </p:nvSpPr>
+        <p:spPr>
+          <a:xfrm>
+            <a:off x="3884613" y="0"/>
+            <a:ext cx="2971800" cy="458788"/>
+          </a:xfrm>
+          <a:prstGeom prst="rect">
+            <a:avLst/>
+          </a:prstGeom>
+        </p:spPr>
+        <p:txBody>
+          <a:bodyPr vert="horz" lIns="91440" tIns="45720" rIns="91440" bIns="45720" rtlCol="0"/>
+          <a:lstStyle>
+            <a:lvl1pPr algn="r">
+              <a:defRPr sz="1200"/>
+            </a:lvl1pPr>
+          </a:lstStyle>
+          <a:p>
+            <a:fld id="{B5B2FB4B-3022-4584-8484-D41E37B0CA40}" type="datetimeFigureOut">
+              <a:rPr lang="en-AU" smtClean="0"/>
+              <a:t>1/09/2025</a:t>
+            </a:fld>
+            <a:endParaRPr lang="en-AU"/>
+          </a:p>
+        </p:txBody>
+      </p:sp>
+      <p:sp>
+        <p:nvSpPr>
+          <p:cNvPr id="4" name="Slide Image Placeholder 3"/>
+          <p:cNvSpPr>
+            <a:spLocks noGrp="1" noRot="1" noChangeAspect="1"/>
+          </p:cNvSpPr>
+          <p:nvPr>
+            <p:ph type="sldImg" idx="2"/>
+          </p:nvPr>
+        </p:nvSpPr>
+        <p:spPr>
+          <a:xfrm>
+            <a:off x="685800" y="1143000"/>
+            <a:ext cx="5486400" cy="3086100"/>
+          </a:xfrm>
+          <a:prstGeom prst="rect">
+            <a:avLst/>
+          </a:prstGeom>
+          <a:noFill/>
+          <a:ln w="12700">
+            <a:solidFill>
+              <a:prstClr val="black"/>
+            </a:solidFill>
+          </a:ln>
+        </p:spPr>
+        <p:txBody>
+          <a:bodyPr vert="horz" lIns="91440" tIns="45720" rIns="91440" bIns="45720" rtlCol="0" anchor="ctr"/>
+          <a:lstStyle/>
+          <a:p>
+            <a:endParaRPr lang="en-AU"/>
+          </a:p>
+        </p:txBody>
+      </p:sp>
+      <p:sp>
+        <p:nvSpPr>
+          <p:cNvPr id="5" name="Notes Placeholder 4"/>
+          <p:cNvSpPr>
+            <a:spLocks noGrp="1"/>
+          </p:cNvSpPr>
+          <p:nvPr>
+            <p:ph type="body" sz="quarter" idx="3"/>
+          </p:nvPr>
+        </p:nvSpPr>
+        <p:spPr>
+          <a:xfrm>
+            <a:off x="685800" y="4400550"/>
+            <a:ext cx="5486400" cy="3600450"/>
+          </a:xfrm>
+          <a:prstGeom prst="rect">
+            <a:avLst/>
+          </a:prstGeom>
+        </p:spPr>
+        <p:txBody>
+          <a:bodyPr vert="horz" lIns="91440" tIns="45720" rIns="91440" bIns="45720" rtlCol="0"/>
+          <a:lstStyle/>
+          <a:p>
+            <a:pPr lvl="0"/>
+            <a:r>
+              <a:rPr lang="en-US"/>
+              <a:t>Click to edit Master text styles</a:t>
+            </a:r>
+          </a:p>
+          <a:p>
+            <a:pPr lvl="1"/>
+            <a:r>
+              <a:rPr lang="en-US"/>
+              <a:t>Second level</a:t>
+            </a:r>
+          </a:p>
+          <a:p>
+            <a:pPr lvl="2"/>
+            <a:r>
+              <a:rPr lang="en-US"/>
+              <a:t>Third level</a:t>
+            </a:r>
+          </a:p>
+          <a:p>
+            <a:pPr lvl="3"/>
+            <a:r>
+              <a:rPr lang="en-US"/>
+              <a:t>Fourth level</a:t>
+            </a:r>
+          </a:p>
+          <a:p>
+            <a:pPr lvl="4"/>
+            <a:r>
+              <a:rPr lang="en-US"/>
+              <a:t>Fifth level</a:t>
+            </a:r>
+            <a:endParaRPr lang="en-AU"/>
+          </a:p>
+        </p:txBody>
+      </p:sp>
+      <p:sp>
+        <p:nvSpPr>
+          <p:cNvPr id="6" name="Footer Placeholder 5"/>
+          <p:cNvSpPr>
+            <a:spLocks noGrp="1"/>
+          </p:cNvSpPr>
+          <p:nvPr>
+            <p:ph type="ftr" sz="quarter" idx="4"/>
+          </p:nvPr>
+        </p:nvSpPr>
+        <p:spPr>
+          <a:xfrm>
+            <a:off x="0" y="8685213"/>
+            <a:ext cx="2971800" cy="458787"/>
+          </a:xfrm>
+          <a:prstGeom prst="rect">
+            <a:avLst/>
+          </a:prstGeom>
+        </p:spPr>
+        <p:txBody>
+          <a:bodyPr vert="horz" lIns="91440" tIns="45720" rIns="91440" bIns="45720" rtlCol="0" anchor="b"/>
+          <a:lstStyle>
+            <a:lvl1pPr algn="l">
+              <a:defRPr sz="1200"/>
+            </a:lvl1pPr>
+          </a:lstStyle>
+          <a:p>
+            <a:endParaRPr lang="en-AU"/>
+          </a:p>
+        </p:txBody>
+      </p:sp>
+      <p:sp>
+        <p:nvSpPr>
+          <p:cNvPr id="7" name="Slide Number Placeholder 6"/>
+          <p:cNvSpPr>
+            <a:spLocks noGrp="1"/>
+          </p:cNvSpPr>
+          <p:nvPr>
+            <p:ph type="sldNum" sz="quarter" idx="5"/>
+          </p:nvPr>
+        </p:nvSpPr>
+        <p:spPr>
+          <a:xfrm>
+            <a:off x="3884613" y="8685213"/>
+            <a:ext cx="2971800" cy="458787"/>
+          </a:xfrm>
+          <a:prstGeom prst="rect">
+            <a:avLst/>
+          </a:prstGeom>
+        </p:spPr>
+        <p:txBody>
+          <a:bodyPr vert="horz" lIns="91440" tIns="45720" rIns="91440" bIns="45720" rtlCol="0" anchor="b"/>
+          <a:lstStyle>
+            <a:lvl1pPr algn="r">
+              <a:defRPr sz="1200"/>
+            </a:lvl1pPr>
+          </a:lstStyle>
+          <a:p>
+            <a:fld id="{77361779-57F7-4303-94F0-B0D3D8EAEEEC}" type="slidenum">
+              <a:rPr lang="en-AU" smtClean="0"/>
+              <a:t>‹#›</a:t>
+            </a:fld>
+            <a:endParaRPr lang="en-AU"/>
+          </a:p>
+        </p:txBody>
+      </p:sp>
+    </p:spTree>
+    <p:extLst>
+      <p:ext uri="{BB962C8B-B14F-4D97-AF65-F5344CB8AC3E}">
+        <p14:creationId xmlns:p14="http://schemas.microsoft.com/office/powerpoint/2010/main" val="2247541646"/>
+      </p:ext>
+    </p:extLst>
+  </p:cSld>
+  <p:clrMap bg1="lt1" tx1="dk1" bg2="lt2" tx2="dk2" accent1="accent1" accent2="accent2" accent3="accent3" accent4="accent4" accent5="accent5" accent6="accent6" hlink="hlink" folHlink="folHlink"/>
+  <p:notesStyle>
+    <a:lvl1pPr marL="0" algn="l" defTabSz="914400" rtl="0" eaLnBrk="1" latinLnBrk="0" hangingPunct="1">
+      <a:defRPr sz="1200" kern="1200">
+        <a:solidFill>
+          <a:schemeClr val="tx1"/>
+        </a:solidFill>
+        <a:latin typeface="+mn-lt"/>
+        <a:ea typeface="+mn-ea"/>
+        <a:cs typeface="+mn-cs"/>
+      </a:defRPr>
+    </a:lvl1pPr>
+    <a:lvl2pPr marL="457200" algn="l" defTabSz="914400" rtl="0" eaLnBrk="1" latinLnBrk="0" hangingPunct="1">
+      <a:defRPr sz="1200" kern="1200">
+        <a:solidFill>
+          <a:schemeClr val="tx1"/>
+        </a:solidFill>
+        <a:latin typeface="+mn-lt"/>
+        <a:ea typeface="+mn-ea"/>
+        <a:cs typeface="+mn-cs"/>
+      </a:defRPr>
+    </a:lvl2pPr>
+    <a:lvl3pPr marL="914400" algn="l" defTabSz="914400" rtl="0" eaLnBrk="1" latinLnBrk="0" hangingPunct="1">
+      <a:defRPr sz="1200" kern="1200">
+        <a:solidFill>
+          <a:schemeClr val="tx1"/>
+        </a:solidFill>
+        <a:latin typeface="+mn-lt"/>
+        <a:ea typeface="+mn-ea"/>
+        <a:cs typeface="+mn-cs"/>
+      </a:defRPr>
+    </a:lvl3pPr>
+    <a:lvl4pPr marL="1371600" algn="l" defTabSz="914400" rtl="0" eaLnBrk="1" latinLnBrk="0" hangingPunct="1">
+      <a:defRPr sz="1200" kern="1200">
+        <a:solidFill>
+          <a:schemeClr val="tx1"/>
+        </a:solidFill>
+        <a:latin typeface="+mn-lt"/>
+        <a:ea typeface="+mn-ea"/>
+        <a:cs typeface="+mn-cs"/>
+      </a:defRPr>
+    </a:lvl4pPr>
+    <a:lvl5pPr marL="1828800" algn="l" defTabSz="914400" rtl="0" eaLnBrk="1" latinLnBrk="0" hangingPunct="1">
+      <a:defRPr sz="1200" kern="1200">
+        <a:solidFill>
+          <a:schemeClr val="tx1"/>
+        </a:solidFill>
+        <a:latin typeface="+mn-lt"/>
+        <a:ea typeface="+mn-ea"/>
+        <a:cs typeface="+mn-cs"/>
+      </a:defRPr>
+    </a:lvl5pPr>
+    <a:lvl6pPr marL="2286000" algn="l" defTabSz="914400" rtl="0" eaLnBrk="1" latinLnBrk="0" hangingPunct="1">
+      <a:defRPr sz="1200" kern="1200">
+        <a:solidFill>
+          <a:schemeClr val="tx1"/>
+        </a:solidFill>
+        <a:latin typeface="+mn-lt"/>
+        <a:ea typeface="+mn-ea"/>
+        <a:cs typeface="+mn-cs"/>
+      </a:defRPr>
+    </a:lvl6pPr>
+    <a:lvl7pPr marL="2743200" algn="l" defTabSz="914400" rtl="0" eaLnBrk="1" latinLnBrk="0" hangingPunct="1">
+      <a:defRPr sz="1200" kern="1200">
+        <a:solidFill>
+          <a:schemeClr val="tx1"/>
+        </a:solidFill>
+        <a:latin typeface="+mn-lt"/>
+        <a:ea typeface="+mn-ea"/>
+        <a:cs typeface="+mn-cs"/>
+      </a:defRPr>
+    </a:lvl7pPr>
+    <a:lvl8pPr marL="3200400" algn="l" defTabSz="914400" rtl="0" eaLnBrk="1" latinLnBrk="0" hangingPunct="1">
+      <a:defRPr sz="1200" kern="1200">
+        <a:solidFill>
+          <a:schemeClr val="tx1"/>
+        </a:solidFill>
+        <a:latin typeface="+mn-lt"/>
+        <a:ea typeface="+mn-ea"/>
+        <a:cs typeface="+mn-cs"/>
+      </a:defRPr>
+    </a:lvl8pPr>
+    <a:lvl9pPr marL="3657600" algn="l" defTabSz="914400" rtl="0" eaLnBrk="1" latinLnBrk="0" hangingPunct="1">
+      <a:defRPr sz="1200" kern="1200">
+        <a:solidFill>
+          <a:schemeClr val="tx1"/>
+        </a:solidFill>
+        <a:latin typeface="+mn-lt"/>
+        <a:ea typeface="+mn-ea"/>
+        <a:cs typeface="+mn-cs"/>
+      </a:defRPr>
+    </a:lvl9pPr>
+  </p:notesStyle>
+</p:notesMaster>
+</file>
+
+<file path=ppt/notesSlides/notesSlide1.xml><?xml version="1.0" encoding="utf-8"?>
+<p:notes xmlns:a="http://schemas.openxmlformats.org/drawingml/2006/main" xmlns:r="http://schemas.openxmlformats.org/officeDocument/2006/relationships" xmlns:p="http://schemas.openxmlformats.org/presentationml/2006/main">
+  <p:cSld>
+    <p:spTree>
+      <p:nvGrpSpPr>
+        <p:cNvPr id="1" name=""/>
+        <p:cNvGrpSpPr/>
+        <p:nvPr/>
+      </p:nvGrpSpPr>
+      <p:grpSpPr>
+        <a:xfrm>
+          <a:off x="0" y="0"/>
+          <a:ext cx="0" cy="0"/>
+          <a:chOff x="0" y="0"/>
+          <a:chExt cx="0" cy="0"/>
+        </a:xfrm>
+      </p:grpSpPr>
+      <p:sp>
+        <p:nvSpPr>
+          <p:cNvPr id="2" name="Slide Image Placeholder 1"/>
+          <p:cNvSpPr>
+            <a:spLocks noGrp="1" noRot="1" noChangeAspect="1"/>
+          </p:cNvSpPr>
+          <p:nvPr>
+            <p:ph type="sldImg"/>
+          </p:nvPr>
+        </p:nvSpPr>
+        <p:spPr/>
+      </p:sp>
+      <p:sp>
+        <p:nvSpPr>
+          <p:cNvPr id="3" name="Notes Placeholder 2"/>
+          <p:cNvSpPr>
+            <a:spLocks noGrp="1"/>
+          </p:cNvSpPr>
+          <p:nvPr>
+            <p:ph type="body" idx="1"/>
+          </p:nvPr>
+        </p:nvSpPr>
+        <p:spPr/>
+        <p:txBody>
+          <a:bodyPr/>
+          <a:lstStyle/>
+          <a:p>
+            <a:pPr marL="0" marR="0" lvl="0" indent="0" algn="l" defTabSz="914400" rtl="0" eaLnBrk="1" fontAlgn="auto" latinLnBrk="0" hangingPunct="1">
+              <a:lnSpc>
+                <a:spcPct val="100000"/>
+              </a:lnSpc>
+              <a:spcBef>
+                <a:spcPts val="0"/>
+              </a:spcBef>
+              <a:spcAft>
+                <a:spcPts val="0"/>
+              </a:spcAft>
+              <a:buClrTx/>
+              <a:buSzTx/>
+              <a:buFontTx/>
+              <a:buNone/>
+              <a:tabLst/>
+              <a:defRPr/>
+            </a:pPr>
+            <a:r>
+              <a:rPr lang="en-AU" dirty="0"/>
+              <a:t>Hi everyone, welcome back to this series on building AI Agents with </a:t>
+            </a:r>
+            <a:r>
+              <a:rPr lang="en-AU" dirty="0" err="1"/>
+              <a:t>Dapr</a:t>
+            </a:r>
+            <a:r>
+              <a:rPr lang="en-AU" dirty="0"/>
+              <a:t> Agents!</a:t>
+            </a:r>
+          </a:p>
+          <a:p>
+            <a:endParaRPr lang="en-AU" dirty="0"/>
+          </a:p>
+          <a:p>
+            <a:r>
+              <a:rPr lang="en-AU" dirty="0"/>
+              <a:t>In this video, Let’s take a look at Dynamic Routing Strategies patterns and how we can implement them in </a:t>
+            </a:r>
+            <a:r>
+              <a:rPr lang="en-AU" dirty="0" err="1"/>
+              <a:t>Dapr</a:t>
+            </a:r>
+            <a:r>
+              <a:rPr lang="en-AU" dirty="0"/>
+              <a:t> Agents.</a:t>
+            </a:r>
+          </a:p>
+        </p:txBody>
+      </p:sp>
+      <p:sp>
+        <p:nvSpPr>
+          <p:cNvPr id="4" name="Slide Number Placeholder 3"/>
+          <p:cNvSpPr>
+            <a:spLocks noGrp="1"/>
+          </p:cNvSpPr>
+          <p:nvPr>
+            <p:ph type="sldNum" sz="quarter" idx="5"/>
+          </p:nvPr>
+        </p:nvSpPr>
+        <p:spPr/>
+        <p:txBody>
+          <a:bodyPr/>
+          <a:lstStyle/>
+          <a:p>
+            <a:fld id="{77361779-57F7-4303-94F0-B0D3D8EAEEEC}" type="slidenum">
+              <a:rPr lang="en-AU" smtClean="0"/>
+              <a:t>1</a:t>
+            </a:fld>
+            <a:endParaRPr lang="en-AU"/>
+          </a:p>
+        </p:txBody>
+      </p:sp>
+    </p:spTree>
+    <p:extLst>
+      <p:ext uri="{BB962C8B-B14F-4D97-AF65-F5344CB8AC3E}">
+        <p14:creationId xmlns:p14="http://schemas.microsoft.com/office/powerpoint/2010/main" val="310595686"/>
+      </p:ext>
+    </p:extLst>
+  </p:cSld>
+  <p:clrMapOvr>
+    <a:masterClrMapping/>
+  </p:clrMapOvr>
+</p:notes>
+</file>
+
+<file path=ppt/notesSlides/notesSlide2.xml><?xml version="1.0" encoding="utf-8"?>
+<p:notes xmlns:a="http://schemas.openxmlformats.org/drawingml/2006/main" xmlns:r="http://schemas.openxmlformats.org/officeDocument/2006/relationships" xmlns:p="http://schemas.openxmlformats.org/presentationml/2006/main">
+  <p:cSld>
+    <p:spTree>
+      <p:nvGrpSpPr>
+        <p:cNvPr id="1" name=""/>
+        <p:cNvGrpSpPr/>
+        <p:nvPr/>
+      </p:nvGrpSpPr>
+      <p:grpSpPr>
+        <a:xfrm>
+          <a:off x="0" y="0"/>
+          <a:ext cx="0" cy="0"/>
+          <a:chOff x="0" y="0"/>
+          <a:chExt cx="0" cy="0"/>
+        </a:xfrm>
+      </p:grpSpPr>
+      <p:sp>
+        <p:nvSpPr>
+          <p:cNvPr id="2" name="Slide Image Placeholder 1"/>
+          <p:cNvSpPr>
+            <a:spLocks noGrp="1" noRot="1" noChangeAspect="1"/>
+          </p:cNvSpPr>
+          <p:nvPr>
+            <p:ph type="sldImg"/>
+          </p:nvPr>
+        </p:nvSpPr>
+        <p:spPr/>
+      </p:sp>
+      <p:sp>
+        <p:nvSpPr>
+          <p:cNvPr id="3" name="Notes Placeholder 2"/>
+          <p:cNvSpPr>
+            <a:spLocks noGrp="1"/>
+          </p:cNvSpPr>
+          <p:nvPr>
+            <p:ph type="body" idx="1"/>
+          </p:nvPr>
+        </p:nvSpPr>
+        <p:spPr/>
+        <p:txBody>
+          <a:bodyPr/>
+          <a:lstStyle/>
+          <a:p>
+            <a:r>
+              <a:rPr lang="en-US" sz="1200" b="0" i="0" kern="1200" dirty="0">
+                <a:solidFill>
+                  <a:schemeClr val="tx1"/>
+                </a:solidFill>
+                <a:effectLst/>
+                <a:latin typeface="+mn-lt"/>
+                <a:ea typeface="+mn-ea"/>
+                <a:cs typeface="+mn-cs"/>
+              </a:rPr>
+              <a:t>The Routing pattern classifies an input and directs it to a specialized </a:t>
+            </a:r>
+            <a:r>
+              <a:rPr lang="en-US" sz="1200" b="0" i="0" kern="1200" dirty="0" err="1">
+                <a:solidFill>
+                  <a:schemeClr val="tx1"/>
+                </a:solidFill>
+                <a:effectLst/>
+                <a:latin typeface="+mn-lt"/>
+                <a:ea typeface="+mn-ea"/>
+                <a:cs typeface="+mn-cs"/>
+              </a:rPr>
+              <a:t>followup</a:t>
+            </a:r>
+            <a:r>
+              <a:rPr lang="en-US" sz="1200" b="0" i="0" kern="1200" dirty="0">
+                <a:solidFill>
+                  <a:schemeClr val="tx1"/>
+                </a:solidFill>
+                <a:effectLst/>
+                <a:latin typeface="+mn-lt"/>
+                <a:ea typeface="+mn-ea"/>
+                <a:cs typeface="+mn-cs"/>
+              </a:rPr>
+              <a:t> task. This pattern enables separation of concerns, allowing each specialized handler to focus on a specific type of input without the complexity of handling all possible cases.</a:t>
+            </a:r>
+          </a:p>
+          <a:p>
+            <a:endParaRPr lang="en-US" sz="1200" b="0" i="0" kern="1200" dirty="0">
+              <a:solidFill>
+                <a:schemeClr val="tx1"/>
+              </a:solidFill>
+              <a:effectLst/>
+              <a:latin typeface="+mn-lt"/>
+              <a:ea typeface="+mn-ea"/>
+              <a:cs typeface="+mn-cs"/>
+            </a:endParaRPr>
+          </a:p>
+          <a:p>
+            <a:r>
+              <a:rPr lang="en-US" sz="1200" b="1" i="0" kern="1200" dirty="0">
+                <a:solidFill>
+                  <a:schemeClr val="tx1"/>
+                </a:solidFill>
+                <a:effectLst/>
+                <a:latin typeface="+mn-lt"/>
+                <a:ea typeface="+mn-ea"/>
+                <a:cs typeface="+mn-cs"/>
+              </a:rPr>
+              <a:t>Use Cases</a:t>
+            </a:r>
+          </a:p>
+          <a:p>
+            <a:endParaRPr lang="en-US" sz="1200" b="1" i="0" kern="1200" dirty="0">
+              <a:solidFill>
+                <a:schemeClr val="tx1"/>
+              </a:solidFill>
+              <a:effectLst/>
+              <a:latin typeface="+mn-lt"/>
+              <a:ea typeface="+mn-ea"/>
+              <a:cs typeface="+mn-cs"/>
+            </a:endParaRPr>
+          </a:p>
+          <a:p>
+            <a:r>
+              <a:rPr lang="en-US" sz="1200" b="1" i="0" kern="1200" dirty="0">
+                <a:solidFill>
+                  <a:schemeClr val="tx1"/>
+                </a:solidFill>
+                <a:effectLst/>
+                <a:latin typeface="+mn-lt"/>
+                <a:ea typeface="+mn-ea"/>
+                <a:cs typeface="+mn-cs"/>
+              </a:rPr>
+              <a:t>Customer Support</a:t>
+            </a:r>
+            <a:r>
+              <a:rPr lang="en-US" sz="1200" b="0" i="0" kern="1200" dirty="0">
+                <a:solidFill>
+                  <a:schemeClr val="tx1"/>
+                </a:solidFill>
+                <a:effectLst/>
+                <a:latin typeface="+mn-lt"/>
+                <a:ea typeface="+mn-ea"/>
+                <a:cs typeface="+mn-cs"/>
+              </a:rPr>
+              <a:t>: Directing different types of queries (refunds, technical help, general questions) to specialized agents</a:t>
+            </a:r>
+          </a:p>
+          <a:p>
+            <a:r>
+              <a:rPr lang="en-US" sz="1200" b="1" i="0" kern="1200" dirty="0">
+                <a:solidFill>
+                  <a:schemeClr val="tx1"/>
+                </a:solidFill>
+                <a:effectLst/>
+                <a:latin typeface="+mn-lt"/>
+                <a:ea typeface="+mn-ea"/>
+                <a:cs typeface="+mn-cs"/>
+              </a:rPr>
+              <a:t>Content Creation</a:t>
+            </a:r>
+            <a:r>
+              <a:rPr lang="en-US" sz="1200" b="0" i="0" kern="1200" dirty="0">
+                <a:solidFill>
+                  <a:schemeClr val="tx1"/>
+                </a:solidFill>
+                <a:effectLst/>
+                <a:latin typeface="+mn-lt"/>
+                <a:ea typeface="+mn-ea"/>
+                <a:cs typeface="+mn-cs"/>
+              </a:rPr>
+              <a:t>: Routing writing tasks to topic specialists (finance, tech, healthcare)</a:t>
+            </a:r>
+          </a:p>
+          <a:p>
+            <a:endParaRPr lang="en-US" sz="1200" b="0" i="0" kern="1200" dirty="0">
+              <a:solidFill>
+                <a:schemeClr val="tx1"/>
+              </a:solidFill>
+              <a:effectLst/>
+              <a:latin typeface="+mn-lt"/>
+              <a:ea typeface="+mn-ea"/>
+              <a:cs typeface="+mn-cs"/>
+            </a:endParaRPr>
+          </a:p>
+          <a:p>
+            <a:r>
+              <a:rPr lang="en-US" sz="1200" b="1" i="0" kern="1200" dirty="0">
+                <a:solidFill>
+                  <a:schemeClr val="tx1"/>
+                </a:solidFill>
+                <a:effectLst/>
+                <a:latin typeface="+mn-lt"/>
+                <a:ea typeface="+mn-ea"/>
+                <a:cs typeface="+mn-cs"/>
+              </a:rPr>
+              <a:t>How It Works</a:t>
+            </a:r>
+          </a:p>
+          <a:p>
+            <a:endParaRPr lang="en-US" sz="1200" b="1" i="0" kern="1200" dirty="0">
+              <a:solidFill>
+                <a:schemeClr val="tx1"/>
+              </a:solidFill>
+              <a:effectLst/>
+              <a:latin typeface="+mn-lt"/>
+              <a:ea typeface="+mn-ea"/>
+              <a:cs typeface="+mn-cs"/>
+            </a:endParaRPr>
+          </a:p>
+          <a:p>
+            <a:r>
+              <a:rPr lang="en-US" sz="1200" b="0" i="0" kern="1200" dirty="0">
+                <a:solidFill>
+                  <a:schemeClr val="tx1"/>
+                </a:solidFill>
+                <a:effectLst/>
+                <a:latin typeface="+mn-lt"/>
+                <a:ea typeface="+mn-ea"/>
+                <a:cs typeface="+mn-cs"/>
+              </a:rPr>
+              <a:t>The key components of this implementation are:</a:t>
+            </a:r>
+          </a:p>
+          <a:p>
+            <a:r>
+              <a:rPr lang="en-US" sz="1200" b="1" i="0" kern="1200" dirty="0">
+                <a:solidFill>
+                  <a:schemeClr val="tx1"/>
+                </a:solidFill>
+                <a:effectLst/>
+                <a:latin typeface="+mn-lt"/>
+                <a:ea typeface="+mn-ea"/>
+                <a:cs typeface="+mn-cs"/>
+              </a:rPr>
+              <a:t>Query Classification</a:t>
+            </a:r>
+            <a:r>
+              <a:rPr lang="en-US" sz="1200" b="0" i="0" kern="1200" dirty="0">
+                <a:solidFill>
+                  <a:schemeClr val="tx1"/>
+                </a:solidFill>
+                <a:effectLst/>
+                <a:latin typeface="+mn-lt"/>
+                <a:ea typeface="+mn-ea"/>
+                <a:cs typeface="+mn-cs"/>
+              </a:rPr>
+              <a:t>: An LLM-based router analyzes the input query and determines its category using a structured output format (</a:t>
+            </a:r>
+            <a:r>
+              <a:rPr lang="en-US" sz="1200" b="0" i="0" kern="1200" dirty="0" err="1">
+                <a:solidFill>
+                  <a:schemeClr val="tx1"/>
+                </a:solidFill>
+                <a:effectLst/>
+                <a:latin typeface="+mn-lt"/>
+                <a:ea typeface="+mn-ea"/>
+                <a:cs typeface="+mn-cs"/>
+              </a:rPr>
+              <a:t>RoutingDecision</a:t>
+            </a:r>
+            <a:r>
+              <a:rPr lang="en-US" sz="1200" b="0" i="0" kern="1200" dirty="0">
+                <a:solidFill>
+                  <a:schemeClr val="tx1"/>
+                </a:solidFill>
+                <a:effectLst/>
+                <a:latin typeface="+mn-lt"/>
+                <a:ea typeface="+mn-ea"/>
+                <a:cs typeface="+mn-cs"/>
+              </a:rPr>
+              <a:t>).</a:t>
+            </a:r>
+          </a:p>
+          <a:p>
+            <a:r>
+              <a:rPr lang="en-US" sz="1200" b="1" i="0" kern="1200" dirty="0">
+                <a:solidFill>
+                  <a:schemeClr val="tx1"/>
+                </a:solidFill>
+                <a:effectLst/>
+                <a:latin typeface="+mn-lt"/>
+                <a:ea typeface="+mn-ea"/>
+                <a:cs typeface="+mn-cs"/>
+              </a:rPr>
+              <a:t>Specialized Handlers</a:t>
+            </a:r>
+            <a:r>
+              <a:rPr lang="en-US" sz="1200" b="0" i="0" kern="1200" dirty="0">
+                <a:solidFill>
+                  <a:schemeClr val="tx1"/>
+                </a:solidFill>
+                <a:effectLst/>
+                <a:latin typeface="+mn-lt"/>
+                <a:ea typeface="+mn-ea"/>
+                <a:cs typeface="+mn-cs"/>
+              </a:rPr>
+              <a:t>: Three task handlers with optimized prompts focus on different travel domains:</a:t>
+            </a:r>
+          </a:p>
+          <a:p>
+            <a:pPr lvl="1"/>
+            <a:r>
+              <a:rPr lang="en-US" sz="1200" b="0" i="0" kern="1200" dirty="0">
+                <a:solidFill>
+                  <a:schemeClr val="tx1"/>
+                </a:solidFill>
+                <a:effectLst/>
+                <a:latin typeface="+mn-lt"/>
+                <a:ea typeface="+mn-ea"/>
+                <a:cs typeface="+mn-cs"/>
+              </a:rPr>
+              <a:t>Attractions handler: Optimized for questions about sights and activities</a:t>
+            </a:r>
+          </a:p>
+          <a:p>
+            <a:pPr lvl="1"/>
+            <a:r>
+              <a:rPr lang="en-US" sz="1200" b="0" i="0" kern="1200" dirty="0">
+                <a:solidFill>
+                  <a:schemeClr val="tx1"/>
+                </a:solidFill>
+                <a:effectLst/>
+                <a:latin typeface="+mn-lt"/>
+                <a:ea typeface="+mn-ea"/>
+                <a:cs typeface="+mn-cs"/>
+              </a:rPr>
+              <a:t>Accommodations handler: Specialized for hotel and lodging inquiries</a:t>
+            </a:r>
+          </a:p>
+          <a:p>
+            <a:pPr lvl="1"/>
+            <a:r>
+              <a:rPr lang="en-US" sz="1200" b="0" i="0" kern="1200" dirty="0">
+                <a:solidFill>
+                  <a:schemeClr val="tx1"/>
+                </a:solidFill>
+                <a:effectLst/>
+                <a:latin typeface="+mn-lt"/>
+                <a:ea typeface="+mn-ea"/>
+                <a:cs typeface="+mn-cs"/>
+              </a:rPr>
+              <a:t>Transportation handler: Focused on travel logistics questions</a:t>
+            </a:r>
+          </a:p>
+          <a:p>
+            <a:r>
+              <a:rPr lang="en-US" sz="1200" b="1" i="0" kern="1200" dirty="0">
+                <a:solidFill>
+                  <a:schemeClr val="tx1"/>
+                </a:solidFill>
+                <a:effectLst/>
+                <a:latin typeface="+mn-lt"/>
+                <a:ea typeface="+mn-ea"/>
+                <a:cs typeface="+mn-cs"/>
+              </a:rPr>
+              <a:t>Workflow Orchestration</a:t>
+            </a:r>
+            <a:r>
+              <a:rPr lang="en-US" sz="1200" b="0" i="0" kern="1200" dirty="0">
+                <a:solidFill>
+                  <a:schemeClr val="tx1"/>
+                </a:solidFill>
+                <a:effectLst/>
+                <a:latin typeface="+mn-lt"/>
+                <a:ea typeface="+mn-ea"/>
+                <a:cs typeface="+mn-cs"/>
+              </a:rPr>
+              <a:t>: The </a:t>
+            </a:r>
+            <a:r>
+              <a:rPr lang="en-US" sz="1200" b="0" i="0" kern="1200" dirty="0" err="1">
+                <a:solidFill>
+                  <a:schemeClr val="tx1"/>
+                </a:solidFill>
+                <a:effectLst/>
+                <a:latin typeface="+mn-lt"/>
+                <a:ea typeface="+mn-ea"/>
+                <a:cs typeface="+mn-cs"/>
+              </a:rPr>
+              <a:t>Dapr</a:t>
+            </a:r>
+            <a:r>
+              <a:rPr lang="en-US" sz="1200" b="0" i="0" kern="1200" dirty="0">
+                <a:solidFill>
+                  <a:schemeClr val="tx1"/>
+                </a:solidFill>
+                <a:effectLst/>
+                <a:latin typeface="+mn-lt"/>
+                <a:ea typeface="+mn-ea"/>
+                <a:cs typeface="+mn-cs"/>
+              </a:rPr>
+              <a:t> workflow engine manages the process flow:</a:t>
+            </a:r>
+          </a:p>
+          <a:p>
+            <a:pPr lvl="1"/>
+            <a:r>
+              <a:rPr lang="en-US" sz="1200" b="0" i="0" kern="1200" dirty="0">
+                <a:solidFill>
+                  <a:schemeClr val="tx1"/>
+                </a:solidFill>
+                <a:effectLst/>
+                <a:latin typeface="+mn-lt"/>
+                <a:ea typeface="+mn-ea"/>
+                <a:cs typeface="+mn-cs"/>
+              </a:rPr>
+              <a:t>First sending the query to the classifier</a:t>
+            </a:r>
+          </a:p>
+          <a:p>
+            <a:pPr lvl="1"/>
+            <a:r>
+              <a:rPr lang="en-US" sz="1200" b="0" i="0" kern="1200" dirty="0">
+                <a:solidFill>
+                  <a:schemeClr val="tx1"/>
+                </a:solidFill>
+                <a:effectLst/>
+                <a:latin typeface="+mn-lt"/>
+                <a:ea typeface="+mn-ea"/>
+                <a:cs typeface="+mn-cs"/>
+              </a:rPr>
+              <a:t>Then routing to the appropriate specialized handler</a:t>
+            </a:r>
+          </a:p>
+          <a:p>
+            <a:pPr lvl="1"/>
+            <a:r>
+              <a:rPr lang="en-US" sz="1200" b="0" i="0" kern="1200" dirty="0">
+                <a:solidFill>
+                  <a:schemeClr val="tx1"/>
+                </a:solidFill>
+                <a:effectLst/>
+                <a:latin typeface="+mn-lt"/>
+                <a:ea typeface="+mn-ea"/>
+                <a:cs typeface="+mn-cs"/>
+              </a:rPr>
+              <a:t>Finally returning the response to the user</a:t>
+            </a:r>
+          </a:p>
+          <a:p>
+            <a:endParaRPr lang="en-US" sz="1200" b="0" i="0" kern="1200" dirty="0">
+              <a:solidFill>
+                <a:schemeClr val="tx1"/>
+              </a:solidFill>
+              <a:effectLst/>
+              <a:latin typeface="+mn-lt"/>
+              <a:ea typeface="+mn-ea"/>
+              <a:cs typeface="+mn-cs"/>
+            </a:endParaRPr>
+          </a:p>
+          <a:p>
+            <a:r>
+              <a:rPr lang="en-US" sz="1200" b="0" i="0" kern="1200" dirty="0">
+                <a:solidFill>
+                  <a:schemeClr val="tx1"/>
+                </a:solidFill>
+                <a:effectLst/>
+                <a:latin typeface="+mn-lt"/>
+                <a:ea typeface="+mn-ea"/>
+                <a:cs typeface="+mn-cs"/>
+              </a:rPr>
+              <a:t>This pattern is ideal when:</a:t>
+            </a:r>
+          </a:p>
+          <a:p>
+            <a:endParaRPr lang="en-US" sz="1200" b="0" i="0" kern="1200" dirty="0">
+              <a:solidFill>
+                <a:schemeClr val="tx1"/>
+              </a:solidFill>
+              <a:effectLst/>
+              <a:latin typeface="+mn-lt"/>
+              <a:ea typeface="+mn-ea"/>
+              <a:cs typeface="+mn-cs"/>
+            </a:endParaRPr>
+          </a:p>
+          <a:p>
+            <a:r>
+              <a:rPr lang="en-US" sz="1200" b="0" i="0" kern="1200" dirty="0">
+                <a:solidFill>
+                  <a:schemeClr val="tx1"/>
+                </a:solidFill>
+                <a:effectLst/>
+                <a:latin typeface="+mn-lt"/>
+                <a:ea typeface="+mn-ea"/>
+                <a:cs typeface="+mn-cs"/>
+              </a:rPr>
+              <a:t>Tasks involve distinct categories that are better handled separately</a:t>
+            </a:r>
+          </a:p>
+          <a:p>
+            <a:r>
+              <a:rPr lang="en-US" sz="1200" b="0" i="0" kern="1200" dirty="0">
+                <a:solidFill>
+                  <a:schemeClr val="tx1"/>
+                </a:solidFill>
+                <a:effectLst/>
+                <a:latin typeface="+mn-lt"/>
+                <a:ea typeface="+mn-ea"/>
+                <a:cs typeface="+mn-cs"/>
+              </a:rPr>
+              <a:t>Classification can be done accurately by an LLM</a:t>
+            </a:r>
+          </a:p>
+          <a:p>
+            <a:r>
+              <a:rPr lang="en-US" sz="1200" b="0" i="0" kern="1200" dirty="0">
+                <a:solidFill>
+                  <a:schemeClr val="tx1"/>
+                </a:solidFill>
+                <a:effectLst/>
+                <a:latin typeface="+mn-lt"/>
+                <a:ea typeface="+mn-ea"/>
+                <a:cs typeface="+mn-cs"/>
+              </a:rPr>
+              <a:t>Different types of inputs benefit from specialized prompts</a:t>
+            </a:r>
+          </a:p>
+          <a:p>
+            <a:r>
+              <a:rPr lang="en-US" sz="1200" b="0" i="0" kern="1200" dirty="0">
+                <a:solidFill>
+                  <a:schemeClr val="tx1"/>
+                </a:solidFill>
+                <a:effectLst/>
+                <a:latin typeface="+mn-lt"/>
+                <a:ea typeface="+mn-ea"/>
+                <a:cs typeface="+mn-cs"/>
+              </a:rPr>
+              <a:t>You want to optimize cost/performance by routing simpler queries to smaller models</a:t>
+            </a:r>
+          </a:p>
+          <a:p>
+            <a:endParaRPr lang="en-US" sz="1200" b="0" i="0" kern="1200" dirty="0">
+              <a:solidFill>
+                <a:schemeClr val="tx1"/>
+              </a:solidFill>
+              <a:effectLst/>
+              <a:latin typeface="+mn-lt"/>
+              <a:ea typeface="+mn-ea"/>
+              <a:cs typeface="+mn-cs"/>
+            </a:endParaRPr>
+          </a:p>
+          <a:p>
+            <a:endParaRPr lang="en-US" sz="1200" b="0" i="0" kern="1200" dirty="0">
+              <a:solidFill>
+                <a:schemeClr val="tx1"/>
+              </a:solidFill>
+              <a:effectLst/>
+              <a:latin typeface="+mn-lt"/>
+              <a:ea typeface="+mn-ea"/>
+              <a:cs typeface="+mn-cs"/>
+            </a:endParaRPr>
+          </a:p>
+        </p:txBody>
+      </p:sp>
+      <p:sp>
+        <p:nvSpPr>
+          <p:cNvPr id="4" name="Slide Number Placeholder 3"/>
+          <p:cNvSpPr>
+            <a:spLocks noGrp="1"/>
+          </p:cNvSpPr>
+          <p:nvPr>
+            <p:ph type="sldNum" sz="quarter" idx="5"/>
+          </p:nvPr>
+        </p:nvSpPr>
+        <p:spPr/>
+        <p:txBody>
+          <a:bodyPr/>
+          <a:lstStyle/>
+          <a:p>
+            <a:fld id="{77361779-57F7-4303-94F0-B0D3D8EAEEEC}" type="slidenum">
+              <a:rPr lang="en-AU" smtClean="0"/>
+              <a:t>2</a:t>
+            </a:fld>
+            <a:endParaRPr lang="en-AU"/>
+          </a:p>
+        </p:txBody>
+      </p:sp>
+    </p:spTree>
+    <p:extLst>
+      <p:ext uri="{BB962C8B-B14F-4D97-AF65-F5344CB8AC3E}">
+        <p14:creationId xmlns:p14="http://schemas.microsoft.com/office/powerpoint/2010/main" val="574701256"/>
+      </p:ext>
+    </p:extLst>
+  </p:cSld>
+  <p:clrMapOvr>
+    <a:masterClrMapping/>
+  </p:clrMapOvr>
+</p:notes>
+</file>
+
+<file path=ppt/notesSlides/notesSlide3.xml><?xml version="1.0" encoding="utf-8"?>
+<p:notes xmlns:a="http://schemas.openxmlformats.org/drawingml/2006/main" xmlns:r="http://schemas.openxmlformats.org/officeDocument/2006/relationships" xmlns:p="http://schemas.openxmlformats.org/presentationml/2006/main">
+  <p:cSld>
+    <p:spTree>
+      <p:nvGrpSpPr>
+        <p:cNvPr id="1" name=""/>
+        <p:cNvGrpSpPr/>
+        <p:nvPr/>
+      </p:nvGrpSpPr>
+      <p:grpSpPr>
+        <a:xfrm>
+          <a:off x="0" y="0"/>
+          <a:ext cx="0" cy="0"/>
+          <a:chOff x="0" y="0"/>
+          <a:chExt cx="0" cy="0"/>
+        </a:xfrm>
+      </p:grpSpPr>
+      <p:sp>
+        <p:nvSpPr>
+          <p:cNvPr id="2" name="Slide Image Placeholder 1"/>
+          <p:cNvSpPr>
+            <a:spLocks noGrp="1" noRot="1" noChangeAspect="1"/>
+          </p:cNvSpPr>
+          <p:nvPr>
+            <p:ph type="sldImg"/>
+          </p:nvPr>
+        </p:nvSpPr>
+        <p:spPr/>
+      </p:sp>
+      <p:sp>
+        <p:nvSpPr>
+          <p:cNvPr id="3" name="Notes Placeholder 2"/>
+          <p:cNvSpPr>
+            <a:spLocks noGrp="1"/>
+          </p:cNvSpPr>
+          <p:nvPr>
+            <p:ph type="body" idx="1"/>
+          </p:nvPr>
+        </p:nvSpPr>
+        <p:spPr/>
+        <p:txBody>
+          <a:bodyPr/>
+          <a:lstStyle/>
+          <a:p>
+            <a:r>
+              <a:rPr lang="en-AU" dirty="0"/>
+              <a:t>Let’s see the routing pattern in action.</a:t>
+            </a:r>
+          </a:p>
+          <a:p>
+            <a:endParaRPr lang="en-AU" dirty="0"/>
+          </a:p>
+          <a:p>
+            <a:r>
+              <a:rPr lang="en-AU" dirty="0"/>
+              <a:t>In this demo, we’ll see how we can classify and handle queries that we pass to our agents, and we’ll see how the </a:t>
+            </a:r>
+            <a:r>
+              <a:rPr lang="en-AU" dirty="0" err="1"/>
+              <a:t>Dapr</a:t>
+            </a:r>
+            <a:r>
+              <a:rPr lang="en-AU" dirty="0"/>
+              <a:t> Workflow Orchestration handles all of this.</a:t>
+            </a:r>
+          </a:p>
+        </p:txBody>
+      </p:sp>
+      <p:sp>
+        <p:nvSpPr>
+          <p:cNvPr id="4" name="Slide Number Placeholder 3"/>
+          <p:cNvSpPr>
+            <a:spLocks noGrp="1"/>
+          </p:cNvSpPr>
+          <p:nvPr>
+            <p:ph type="sldNum" sz="quarter" idx="5"/>
+          </p:nvPr>
+        </p:nvSpPr>
+        <p:spPr/>
+        <p:txBody>
+          <a:bodyPr/>
+          <a:lstStyle/>
+          <a:p>
+            <a:fld id="{77361779-57F7-4303-94F0-B0D3D8EAEEEC}" type="slidenum">
+              <a:rPr lang="en-AU" smtClean="0"/>
+              <a:t>3</a:t>
+            </a:fld>
+            <a:endParaRPr lang="en-AU"/>
+          </a:p>
+        </p:txBody>
+      </p:sp>
+    </p:spTree>
+    <p:extLst>
+      <p:ext uri="{BB962C8B-B14F-4D97-AF65-F5344CB8AC3E}">
+        <p14:creationId xmlns:p14="http://schemas.microsoft.com/office/powerpoint/2010/main" val="1161451746"/>
+      </p:ext>
+    </p:extLst>
+  </p:cSld>
+  <p:clrMapOvr>
+    <a:masterClrMapping/>
+  </p:clrMapOvr>
+</p:notes>
+</file>
+
 <file path=ppt/slideLayouts/slideLayout1.xml><?xml version="1.0" encoding="utf-8"?>
 <p:sldLayout xmlns:a="http://schemas.openxmlformats.org/drawingml/2006/main" xmlns:r="http://schemas.openxmlformats.org/officeDocument/2006/relationships" xmlns:p="http://schemas.openxmlformats.org/presentationml/2006/main" showMasterSp="0" type="title" preserve="1">
   <p:cSld name="Title Slide">
@@ -4798,7 +5975,7 @@
           <a:p>
             <a:fld id="{346026BA-E11E-4292-A73B-85E87B3BBC92}" type="datetimeFigureOut">
               <a:rPr lang="en-AU" smtClean="0"/>
-              <a:t>30/08/2025</a:t>
+              <a:t>1/09/2025</a:t>
             </a:fld>
             <a:endParaRPr lang="en-AU"/>
           </a:p>
@@ -5119,7 +6296,7 @@
           <a:p>
             <a:fld id="{346026BA-E11E-4292-A73B-85E87B3BBC92}" type="datetimeFigureOut">
               <a:rPr lang="en-AU" smtClean="0"/>
-              <a:t>30/08/2025</a:t>
+              <a:t>1/09/2025</a:t>
             </a:fld>
             <a:endParaRPr lang="en-AU"/>
           </a:p>
@@ -5232,7 +6409,7 @@
           <a:p>
             <a:fld id="{346026BA-E11E-4292-A73B-85E87B3BBC92}" type="datetimeFigureOut">
               <a:rPr lang="en-AU" smtClean="0"/>
-              <a:t>30/08/2025</a:t>
+              <a:t>1/09/2025</a:t>
             </a:fld>
             <a:endParaRPr lang="en-AU"/>
           </a:p>
@@ -5520,7 +6697,7 @@
           <a:p>
             <a:fld id="{346026BA-E11E-4292-A73B-85E87B3BBC92}" type="datetimeFigureOut">
               <a:rPr lang="en-AU" smtClean="0"/>
-              <a:t>30/08/2025</a:t>
+              <a:t>1/09/2025</a:t>
             </a:fld>
             <a:endParaRPr lang="en-AU"/>
           </a:p>
@@ -5812,7 +6989,7 @@
           <a:p>
             <a:fld id="{346026BA-E11E-4292-A73B-85E87B3BBC92}" type="datetimeFigureOut">
               <a:rPr lang="en-AU" smtClean="0"/>
-              <a:t>30/08/2025</a:t>
+              <a:t>1/09/2025</a:t>
             </a:fld>
             <a:endParaRPr lang="en-AU"/>
           </a:p>
@@ -6146,7 +7323,7 @@
           <a:p>
             <a:fld id="{346026BA-E11E-4292-A73B-85E87B3BBC92}" type="datetimeFigureOut">
               <a:rPr lang="en-AU" smtClean="0"/>
-              <a:t>30/08/2025</a:t>
+              <a:t>1/09/2025</a:t>
             </a:fld>
             <a:endParaRPr lang="en-AU"/>
           </a:p>
@@ -6542,7 +7719,7 @@
           <a:p>
             <a:fld id="{346026BA-E11E-4292-A73B-85E87B3BBC92}" type="datetimeFigureOut">
               <a:rPr lang="en-AU" smtClean="0"/>
-              <a:t>30/08/2025</a:t>
+              <a:t>1/09/2025</a:t>
             </a:fld>
             <a:endParaRPr lang="en-AU"/>
           </a:p>
@@ -6929,7 +8106,7 @@
           <a:p>
             <a:fld id="{346026BA-E11E-4292-A73B-85E87B3BBC92}" type="datetimeFigureOut">
               <a:rPr lang="en-AU" smtClean="0"/>
-              <a:t>30/08/2025</a:t>
+              <a:t>1/09/2025</a:t>
             </a:fld>
             <a:endParaRPr lang="en-AU"/>
           </a:p>
@@ -7234,7 +8411,7 @@
           <a:p>
             <a:fld id="{346026BA-E11E-4292-A73B-85E87B3BBC92}" type="datetimeFigureOut">
               <a:rPr lang="en-AU" smtClean="0"/>
-              <a:t>30/08/2025</a:t>
+              <a:t>1/09/2025</a:t>
             </a:fld>
             <a:endParaRPr lang="en-AU"/>
           </a:p>
@@ -7479,7 +8656,7 @@
           <a:p>
             <a:fld id="{346026BA-E11E-4292-A73B-85E87B3BBC92}" type="datetimeFigureOut">
               <a:rPr lang="en-AU" smtClean="0"/>
-              <a:t>30/08/2025</a:t>
+              <a:t>1/09/2025</a:t>
             </a:fld>
             <a:endParaRPr lang="en-AU"/>
           </a:p>
@@ -7715,7 +8892,7 @@
           <a:p>
             <a:fld id="{346026BA-E11E-4292-A73B-85E87B3BBC92}" type="datetimeFigureOut">
               <a:rPr lang="en-AU" smtClean="0"/>
-              <a:t>30/08/2025</a:t>
+              <a:t>1/09/2025</a:t>
             </a:fld>
             <a:endParaRPr lang="en-AU"/>
           </a:p>
@@ -7999,7 +9176,7 @@
           <a:p>
             <a:fld id="{346026BA-E11E-4292-A73B-85E87B3BBC92}" type="datetimeFigureOut">
               <a:rPr lang="en-AU" smtClean="0"/>
-              <a:t>30/08/2025</a:t>
+              <a:t>1/09/2025</a:t>
             </a:fld>
             <a:endParaRPr lang="en-AU"/>
           </a:p>
@@ -8320,7 +9497,7 @@
           <a:p>
             <a:fld id="{346026BA-E11E-4292-A73B-85E87B3BBC92}" type="datetimeFigureOut">
               <a:rPr lang="en-AU" smtClean="0"/>
-              <a:t>30/08/2025</a:t>
+              <a:t>1/09/2025</a:t>
             </a:fld>
             <a:endParaRPr lang="en-AU"/>
           </a:p>
@@ -8579,7 +9756,7 @@
           <a:p>
             <a:fld id="{346026BA-E11E-4292-A73B-85E87B3BBC92}" type="datetimeFigureOut">
               <a:rPr lang="en-AU" smtClean="0"/>
-              <a:t>30/08/2025</a:t>
+              <a:t>1/09/2025</a:t>
             </a:fld>
             <a:endParaRPr lang="en-AU"/>
           </a:p>
@@ -8793,7 +9970,7 @@
           <a:p>
             <a:fld id="{346026BA-E11E-4292-A73B-85E87B3BBC92}" type="datetimeFigureOut">
               <a:rPr lang="en-AU" smtClean="0"/>
-              <a:t>30/08/2025</a:t>
+              <a:t>1/09/2025</a:t>
             </a:fld>
             <a:endParaRPr lang="en-AU"/>
           </a:p>
@@ -8991,7 +10168,7 @@
           <a:p>
             <a:fld id="{346026BA-E11E-4292-A73B-85E87B3BBC92}" type="datetimeFigureOut">
               <a:rPr lang="en-AU" smtClean="0"/>
-              <a:t>30/08/2025</a:t>
+              <a:t>1/09/2025</a:t>
             </a:fld>
             <a:endParaRPr lang="en-AU"/>
           </a:p>
@@ -9228,7 +10405,7 @@
           <a:p>
             <a:fld id="{346026BA-E11E-4292-A73B-85E87B3BBC92}" type="datetimeFigureOut">
               <a:rPr lang="en-AU" smtClean="0"/>
-              <a:t>30/08/2025</a:t>
+              <a:t>1/09/2025</a:t>
             </a:fld>
             <a:endParaRPr lang="en-AU"/>
           </a:p>
@@ -9443,7 +10620,7 @@
           <a:p>
             <a:fld id="{346026BA-E11E-4292-A73B-85E87B3BBC92}" type="datetimeFigureOut">
               <a:rPr lang="en-AU" smtClean="0"/>
-              <a:t>30/08/2025</a:t>
+              <a:t>1/09/2025</a:t>
             </a:fld>
             <a:endParaRPr lang="en-AU"/>
           </a:p>
@@ -9659,7 +10836,7 @@
           <a:p>
             <a:fld id="{346026BA-E11E-4292-A73B-85E87B3BBC92}" type="datetimeFigureOut">
               <a:rPr lang="en-AU" smtClean="0"/>
-              <a:t>30/08/2025</a:t>
+              <a:t>1/09/2025</a:t>
             </a:fld>
             <a:endParaRPr lang="en-AU"/>
           </a:p>
@@ -9874,7 +11051,7 @@
           <a:p>
             <a:fld id="{346026BA-E11E-4292-A73B-85E87B3BBC92}" type="datetimeFigureOut">
               <a:rPr lang="en-AU" smtClean="0"/>
-              <a:t>30/08/2025</a:t>
+              <a:t>1/09/2025</a:t>
             </a:fld>
             <a:endParaRPr lang="en-AU"/>
           </a:p>
@@ -10181,7 +11358,7 @@
           <a:p>
             <a:fld id="{346026BA-E11E-4292-A73B-85E87B3BBC92}" type="datetimeFigureOut">
               <a:rPr lang="en-AU" smtClean="0"/>
-              <a:t>30/08/2025</a:t>
+              <a:t>1/09/2025</a:t>
             </a:fld>
             <a:endParaRPr lang="en-AU"/>
           </a:p>
@@ -10541,7 +11718,7 @@
           <a:p>
             <a:fld id="{346026BA-E11E-4292-A73B-85E87B3BBC92}" type="datetimeFigureOut">
               <a:rPr lang="en-AU" smtClean="0"/>
-              <a:t>30/08/2025</a:t>
+              <a:t>1/09/2025</a:t>
             </a:fld>
             <a:endParaRPr lang="en-AU"/>
           </a:p>
@@ -10900,7 +12077,7 @@
           <a:p>
             <a:fld id="{346026BA-E11E-4292-A73B-85E87B3BBC92}" type="datetimeFigureOut">
               <a:rPr lang="en-AU" smtClean="0"/>
-              <a:t>30/08/2025</a:t>
+              <a:t>1/09/2025</a:t>
             </a:fld>
             <a:endParaRPr lang="en-AU"/>
           </a:p>
@@ -11134,7 +12311,7 @@
           <a:p>
             <a:fld id="{346026BA-E11E-4292-A73B-85E87B3BBC92}" type="datetimeFigureOut">
               <a:rPr lang="en-AU" smtClean="0"/>
-              <a:t>30/08/2025</a:t>
+              <a:t>1/09/2025</a:t>
             </a:fld>
             <a:endParaRPr lang="en-AU"/>
           </a:p>
@@ -11493,7 +12670,7 @@
           <a:p>
             <a:fld id="{346026BA-E11E-4292-A73B-85E87B3BBC92}" type="datetimeFigureOut">
               <a:rPr lang="en-AU" smtClean="0"/>
-              <a:t>30/08/2025</a:t>
+              <a:t>1/09/2025</a:t>
             </a:fld>
             <a:endParaRPr lang="en-AU"/>
           </a:p>
@@ -11823,7 +13000,7 @@
           <a:p>
             <a:fld id="{346026BA-E11E-4292-A73B-85E87B3BBC92}" type="datetimeFigureOut">
               <a:rPr lang="en-AU" smtClean="0"/>
-              <a:t>30/08/2025</a:t>
+              <a:t>1/09/2025</a:t>
             </a:fld>
             <a:endParaRPr lang="en-AU"/>
           </a:p>
@@ -12134,7 +13311,7 @@
           <a:p>
             <a:fld id="{346026BA-E11E-4292-A73B-85E87B3BBC92}" type="datetimeFigureOut">
               <a:rPr lang="en-AU" smtClean="0"/>
-              <a:t>30/08/2025</a:t>
+              <a:t>1/09/2025</a:t>
             </a:fld>
             <a:endParaRPr lang="en-AU"/>
           </a:p>
@@ -12481,7 +13658,7 @@
           <a:p>
             <a:fld id="{346026BA-E11E-4292-A73B-85E87B3BBC92}" type="datetimeFigureOut">
               <a:rPr lang="en-AU" smtClean="0"/>
-              <a:t>30/08/2025</a:t>
+              <a:t>1/09/2025</a:t>
             </a:fld>
             <a:endParaRPr lang="en-AU"/>
           </a:p>
@@ -12791,7 +13968,7 @@
           <a:p>
             <a:fld id="{346026BA-E11E-4292-A73B-85E87B3BBC92}" type="datetimeFigureOut">
               <a:rPr lang="en-AU" smtClean="0"/>
-              <a:t>30/08/2025</a:t>
+              <a:t>1/09/2025</a:t>
             </a:fld>
             <a:endParaRPr lang="en-AU"/>
           </a:p>
@@ -13127,7 +14304,7 @@
           <a:p>
             <a:fld id="{346026BA-E11E-4292-A73B-85E87B3BBC92}" type="datetimeFigureOut">
               <a:rPr lang="en-AU" smtClean="0"/>
-              <a:t>30/08/2025</a:t>
+              <a:t>1/09/2025</a:t>
             </a:fld>
             <a:endParaRPr lang="en-AU"/>
           </a:p>
@@ -13442,7 +14619,7 @@
           <a:p>
             <a:fld id="{346026BA-E11E-4292-A73B-85E87B3BBC92}" type="datetimeFigureOut">
               <a:rPr lang="en-AU" smtClean="0"/>
-              <a:t>30/08/2025</a:t>
+              <a:t>1/09/2025</a:t>
             </a:fld>
             <a:endParaRPr lang="en-AU"/>
           </a:p>
@@ -13789,7 +14966,7 @@
           <a:p>
             <a:fld id="{346026BA-E11E-4292-A73B-85E87B3BBC92}" type="datetimeFigureOut">
               <a:rPr lang="en-AU" smtClean="0"/>
-              <a:t>30/08/2025</a:t>
+              <a:t>1/09/2025</a:t>
             </a:fld>
             <a:endParaRPr lang="en-AU"/>
           </a:p>
@@ -14122,7 +15299,7 @@
           <a:p>
             <a:fld id="{346026BA-E11E-4292-A73B-85E87B3BBC92}" type="datetimeFigureOut">
               <a:rPr lang="en-AU" smtClean="0"/>
-              <a:t>30/08/2025</a:t>
+              <a:t>1/09/2025</a:t>
             </a:fld>
             <a:endParaRPr lang="en-AU"/>
           </a:p>
@@ -14471,7 +15648,7 @@
           <a:p>
             <a:fld id="{346026BA-E11E-4292-A73B-85E87B3BBC92}" type="datetimeFigureOut">
               <a:rPr lang="en-AU" smtClean="0"/>
-              <a:t>30/08/2025</a:t>
+              <a:t>1/09/2025</a:t>
             </a:fld>
             <a:endParaRPr lang="en-AU"/>
           </a:p>
@@ -14816,7 +15993,7 @@
           <a:p>
             <a:fld id="{346026BA-E11E-4292-A73B-85E87B3BBC92}" type="datetimeFigureOut">
               <a:rPr lang="en-AU" smtClean="0"/>
-              <a:t>30/08/2025</a:t>
+              <a:t>1/09/2025</a:t>
             </a:fld>
             <a:endParaRPr lang="en-AU"/>
           </a:p>
@@ -15158,7 +16335,7 @@
           <a:p>
             <a:fld id="{346026BA-E11E-4292-A73B-85E87B3BBC92}" type="datetimeFigureOut">
               <a:rPr lang="en-AU" smtClean="0"/>
-              <a:t>30/08/2025</a:t>
+              <a:t>1/09/2025</a:t>
             </a:fld>
             <a:endParaRPr lang="en-AU"/>
           </a:p>
@@ -15459,7 +16636,7 @@
           <a:p>
             <a:fld id="{346026BA-E11E-4292-A73B-85E87B3BBC92}" type="datetimeFigureOut">
               <a:rPr lang="en-AU" smtClean="0"/>
-              <a:t>30/08/2025</a:t>
+              <a:t>1/09/2025</a:t>
             </a:fld>
             <a:endParaRPr lang="en-AU"/>
           </a:p>
@@ -15721,7 +16898,7 @@
           <a:p>
             <a:fld id="{346026BA-E11E-4292-A73B-85E87B3BBC92}" type="datetimeFigureOut">
               <a:rPr lang="en-AU" smtClean="0"/>
-              <a:t>30/08/2025</a:t>
+              <a:t>1/09/2025</a:t>
             </a:fld>
             <a:endParaRPr lang="en-AU"/>
           </a:p>
@@ -16029,7 +17206,7 @@
           <a:p>
             <a:fld id="{346026BA-E11E-4292-A73B-85E87B3BBC92}" type="datetimeFigureOut">
               <a:rPr lang="en-AU" smtClean="0"/>
-              <a:t>30/08/2025</a:t>
+              <a:t>1/09/2025</a:t>
             </a:fld>
             <a:endParaRPr lang="en-AU"/>
           </a:p>
@@ -16353,7 +17530,7 @@
           <a:p>
             <a:fld id="{346026BA-E11E-4292-A73B-85E87B3BBC92}" type="datetimeFigureOut">
               <a:rPr lang="en-AU" smtClean="0"/>
-              <a:t>30/08/2025</a:t>
+              <a:t>1/09/2025</a:t>
             </a:fld>
             <a:endParaRPr lang="en-AU"/>
           </a:p>
@@ -16754,7 +17931,7 @@
           <a:p>
             <a:fld id="{346026BA-E11E-4292-A73B-85E87B3BBC92}" type="datetimeFigureOut">
               <a:rPr lang="en-AU" smtClean="0"/>
-              <a:t>30/08/2025</a:t>
+              <a:t>1/09/2025</a:t>
             </a:fld>
             <a:endParaRPr lang="en-AU"/>
           </a:p>
@@ -17078,7 +18255,7 @@
           <a:p>
             <a:fld id="{346026BA-E11E-4292-A73B-85E87B3BBC92}" type="datetimeFigureOut">
               <a:rPr lang="en-AU" smtClean="0"/>
-              <a:t>30/08/2025</a:t>
+              <a:t>1/09/2025</a:t>
             </a:fld>
             <a:endParaRPr lang="en-AU"/>
           </a:p>
@@ -17315,7 +18492,7 @@
           <a:p>
             <a:fld id="{346026BA-E11E-4292-A73B-85E87B3BBC92}" type="datetimeFigureOut">
               <a:rPr lang="en-AU" smtClean="0"/>
-              <a:t>30/08/2025</a:t>
+              <a:t>1/09/2025</a:t>
             </a:fld>
             <a:endParaRPr lang="en-AU"/>
           </a:p>
@@ -17607,7 +18784,7 @@
           <a:p>
             <a:fld id="{346026BA-E11E-4292-A73B-85E87B3BBC92}" type="datetimeFigureOut">
               <a:rPr lang="en-AU" smtClean="0"/>
-              <a:t>30/08/2025</a:t>
+              <a:t>1/09/2025</a:t>
             </a:fld>
             <a:endParaRPr lang="en-AU"/>
           </a:p>
@@ -17899,7 +19076,7 @@
           <a:p>
             <a:fld id="{346026BA-E11E-4292-A73B-85E87B3BBC92}" type="datetimeFigureOut">
               <a:rPr lang="en-AU" smtClean="0"/>
-              <a:t>30/08/2025</a:t>
+              <a:t>1/09/2025</a:t>
             </a:fld>
             <a:endParaRPr lang="en-AU"/>
           </a:p>
@@ -18099,7 +19276,7 @@
           <a:p>
             <a:fld id="{346026BA-E11E-4292-A73B-85E87B3BBC92}" type="datetimeFigureOut">
               <a:rPr lang="en-AU" smtClean="0"/>
-              <a:t>30/08/2025</a:t>
+              <a:t>1/09/2025</a:t>
             </a:fld>
             <a:endParaRPr lang="en-AU"/>
           </a:p>
@@ -18345,7 +19522,7 @@
           <a:p>
             <a:fld id="{346026BA-E11E-4292-A73B-85E87B3BBC92}" type="datetimeFigureOut">
               <a:rPr lang="en-AU" smtClean="0"/>
-              <a:t>30/08/2025</a:t>
+              <a:t>1/09/2025</a:t>
             </a:fld>
             <a:endParaRPr lang="en-AU"/>
           </a:p>
@@ -18655,7 +19832,7 @@
           <a:p>
             <a:fld id="{346026BA-E11E-4292-A73B-85E87B3BBC92}" type="datetimeFigureOut">
               <a:rPr lang="en-AU" smtClean="0"/>
-              <a:t>30/08/2025</a:t>
+              <a:t>1/09/2025</a:t>
             </a:fld>
             <a:endParaRPr lang="en-AU"/>
           </a:p>
@@ -18927,7 +20104,7 @@
           <a:p>
             <a:fld id="{346026BA-E11E-4292-A73B-85E87B3BBC92}" type="datetimeFigureOut">
               <a:rPr lang="en-AU" smtClean="0"/>
-              <a:t>30/08/2025</a:t>
+              <a:t>1/09/2025</a:t>
             </a:fld>
             <a:endParaRPr lang="en-AU"/>
           </a:p>
@@ -19233,7 +20410,7 @@
           <a:p>
             <a:fld id="{346026BA-E11E-4292-A73B-85E87B3BBC92}" type="datetimeFigureOut">
               <a:rPr lang="en-AU" smtClean="0"/>
-              <a:t>30/08/2025</a:t>
+              <a:t>1/09/2025</a:t>
             </a:fld>
             <a:endParaRPr lang="en-AU"/>
           </a:p>
@@ -19500,7 +20677,7 @@
           <a:p>
             <a:fld id="{346026BA-E11E-4292-A73B-85E87B3BBC92}" type="datetimeFigureOut">
               <a:rPr lang="en-AU" smtClean="0"/>
-              <a:t>30/08/2025</a:t>
+              <a:t>1/09/2025</a:t>
             </a:fld>
             <a:endParaRPr lang="en-AU"/>
           </a:p>
@@ -19815,7 +20992,7 @@
           <a:p>
             <a:fld id="{346026BA-E11E-4292-A73B-85E87B3BBC92}" type="datetimeFigureOut">
               <a:rPr lang="en-AU" smtClean="0"/>
-              <a:t>30/08/2025</a:t>
+              <a:t>1/09/2025</a:t>
             </a:fld>
             <a:endParaRPr lang="en-AU"/>
           </a:p>
@@ -20123,7 +21300,7 @@
           <a:p>
             <a:fld id="{346026BA-E11E-4292-A73B-85E87B3BBC92}" type="datetimeFigureOut">
               <a:rPr lang="en-AU" smtClean="0"/>
-              <a:t>30/08/2025</a:t>
+              <a:t>1/09/2025</a:t>
             </a:fld>
             <a:endParaRPr lang="en-AU"/>
           </a:p>
@@ -20329,7 +21506,7 @@
           <a:p>
             <a:fld id="{346026BA-E11E-4292-A73B-85E87B3BBC92}" type="datetimeFigureOut">
               <a:rPr lang="en-AU" smtClean="0"/>
-              <a:t>30/08/2025</a:t>
+              <a:t>1/09/2025</a:t>
             </a:fld>
             <a:endParaRPr lang="en-AU"/>
           </a:p>
@@ -20648,7 +21825,7 @@
           <a:p>
             <a:fld id="{346026BA-E11E-4292-A73B-85E87B3BBC92}" type="datetimeFigureOut">
               <a:rPr lang="en-AU" smtClean="0"/>
-              <a:t>30/08/2025</a:t>
+              <a:t>1/09/2025</a:t>
             </a:fld>
             <a:endParaRPr lang="en-AU"/>
           </a:p>
@@ -20956,7 +22133,7 @@
           <a:p>
             <a:fld id="{346026BA-E11E-4292-A73B-85E87B3BBC92}" type="datetimeFigureOut">
               <a:rPr lang="en-AU" smtClean="0"/>
-              <a:t>30/08/2025</a:t>
+              <a:t>1/09/2025</a:t>
             </a:fld>
             <a:endParaRPr lang="en-AU"/>
           </a:p>
@@ -21239,7 +22416,7 @@
           <a:p>
             <a:fld id="{346026BA-E11E-4292-A73B-85E87B3BBC92}" type="datetimeFigureOut">
               <a:rPr lang="en-AU" smtClean="0"/>
-              <a:t>30/08/2025</a:t>
+              <a:t>1/09/2025</a:t>
             </a:fld>
             <a:endParaRPr lang="en-AU"/>
           </a:p>
@@ -21481,7 +22658,7 @@
           <a:p>
             <a:fld id="{346026BA-E11E-4292-A73B-85E87B3BBC92}" type="datetimeFigureOut">
               <a:rPr lang="en-AU" smtClean="0"/>
-              <a:t>30/08/2025</a:t>
+              <a:t>1/09/2025</a:t>
             </a:fld>
             <a:endParaRPr lang="en-AU"/>
           </a:p>
@@ -21720,7 +22897,7 @@
           <a:p>
             <a:fld id="{346026BA-E11E-4292-A73B-85E87B3BBC92}" type="datetimeFigureOut">
               <a:rPr lang="en-AU" smtClean="0"/>
-              <a:t>30/08/2025</a:t>
+              <a:t>1/09/2025</a:t>
             </a:fld>
             <a:endParaRPr lang="en-AU"/>
           </a:p>
@@ -21973,7 +23150,7 @@
           <a:p>
             <a:fld id="{346026BA-E11E-4292-A73B-85E87B3BBC92}" type="datetimeFigureOut">
               <a:rPr lang="en-AU" smtClean="0"/>
-              <a:t>30/08/2025</a:t>
+              <a:t>1/09/2025</a:t>
             </a:fld>
             <a:endParaRPr lang="en-AU"/>
           </a:p>
@@ -22245,7 +23422,7 @@
           <a:p>
             <a:fld id="{346026BA-E11E-4292-A73B-85E87B3BBC92}" type="datetimeFigureOut">
               <a:rPr lang="en-AU" smtClean="0"/>
-              <a:t>30/08/2025</a:t>
+              <a:t>1/09/2025</a:t>
             </a:fld>
             <a:endParaRPr lang="en-AU"/>
           </a:p>
@@ -22669,7 +23846,7 @@
           <a:p>
             <a:fld id="{346026BA-E11E-4292-A73B-85E87B3BBC92}" type="datetimeFigureOut">
               <a:rPr lang="en-AU" smtClean="0"/>
-              <a:t>30/08/2025</a:t>
+              <a:t>1/09/2025</a:t>
             </a:fld>
             <a:endParaRPr lang="en-AU"/>
           </a:p>
@@ -22989,7 +24166,7 @@
           <a:p>
             <a:fld id="{346026BA-E11E-4292-A73B-85E87B3BBC92}" type="datetimeFigureOut">
               <a:rPr lang="en-AU" smtClean="0"/>
-              <a:t>30/08/2025</a:t>
+              <a:t>1/09/2025</a:t>
             </a:fld>
             <a:endParaRPr lang="en-AU"/>
           </a:p>
@@ -23540,7 +24717,7 @@
           <p:cNvPr id="4" name="Rectangle 3">
             <a:extLst>
               <a:ext uri="{FF2B5EF4-FFF2-40B4-BE49-F238E27FC236}">
-                <a16:creationId xmlns:a16="http://schemas.microsoft.com/office/drawing/2014/main" id="{31E6AA85-1E54-5F0C-E499-4F66D76AA329}"/>
+                <a16:creationId xmlns:a16="http://schemas.microsoft.com/office/drawing/2014/main" id="{15D73C47-2770-30A3-51F7-BA0B51D668C7}"/>
               </a:ext>
             </a:extLst>
           </p:cNvPr>
@@ -23581,129 +24758,6 @@
           </a:p>
         </p:txBody>
       </p:sp>
-      <p:pic>
-        <p:nvPicPr>
-          <p:cNvPr id="1026" name="Picture 2" descr="Home - Dapr Agents">
-            <a:extLst>
-              <a:ext uri="{FF2B5EF4-FFF2-40B4-BE49-F238E27FC236}">
-                <a16:creationId xmlns:a16="http://schemas.microsoft.com/office/drawing/2014/main" id="{3EA83C2E-55C9-5BAA-9DA7-6F7EAF3DADA5}"/>
-              </a:ext>
-            </a:extLst>
-          </p:cNvPr>
-          <p:cNvPicPr>
-            <a:picLocks noChangeAspect="1" noChangeArrowheads="1"/>
-          </p:cNvPicPr>
-          <p:nvPr/>
-        </p:nvPicPr>
-        <p:blipFill>
-          <a:blip r:embed="rId2">
-            <a:extLst>
-              <a:ext uri="{28A0092B-C50C-407E-A947-70E740481C1C}">
-                <a14:useLocalDpi xmlns:a14="http://schemas.microsoft.com/office/drawing/2010/main" val="0"/>
-              </a:ext>
-            </a:extLst>
-          </a:blip>
-          <a:srcRect/>
-          <a:stretch>
-            <a:fillRect/>
-          </a:stretch>
-        </p:blipFill>
-        <p:spPr bwMode="auto">
-          <a:xfrm>
-            <a:off x="2006930" y="942820"/>
-            <a:ext cx="4972360" cy="4972360"/>
-          </a:xfrm>
-          <a:prstGeom prst="rect">
-            <a:avLst/>
-          </a:prstGeom>
-          <a:noFill/>
-          <a:extLst>
-            <a:ext uri="{909E8E84-426E-40DD-AFC4-6F175D3DCCD1}">
-              <a14:hiddenFill xmlns:a14="http://schemas.microsoft.com/office/drawing/2010/main">
-                <a:solidFill>
-                  <a:srgbClr val="FFFFFF"/>
-                </a:solidFill>
-              </a14:hiddenFill>
-            </a:ext>
-          </a:extLst>
-        </p:spPr>
-      </p:pic>
-    </p:spTree>
-    <p:extLst>
-      <p:ext uri="{BB962C8B-B14F-4D97-AF65-F5344CB8AC3E}">
-        <p14:creationId xmlns:p14="http://schemas.microsoft.com/office/powerpoint/2010/main" val="1130843247"/>
-      </p:ext>
-    </p:extLst>
-  </p:cSld>
-  <p:clrMapOvr>
-    <a:masterClrMapping/>
-  </p:clrMapOvr>
-</p:sld>
-</file>
-
-<file path=ppt/slides/slide2.xml><?xml version="1.0" encoding="utf-8"?>
-<p:sld xmlns:a="http://schemas.openxmlformats.org/drawingml/2006/main" xmlns:r="http://schemas.openxmlformats.org/officeDocument/2006/relationships" xmlns:p="http://schemas.openxmlformats.org/presentationml/2006/main">
-  <p:cSld>
-    <p:spTree>
-      <p:nvGrpSpPr>
-        <p:cNvPr id="1" name=""/>
-        <p:cNvGrpSpPr/>
-        <p:nvPr/>
-      </p:nvGrpSpPr>
-      <p:grpSpPr>
-        <a:xfrm>
-          <a:off x="0" y="0"/>
-          <a:ext cx="0" cy="0"/>
-          <a:chOff x="0" y="0"/>
-          <a:chExt cx="0" cy="0"/>
-        </a:xfrm>
-      </p:grpSpPr>
-      <p:sp>
-        <p:nvSpPr>
-          <p:cNvPr id="4" name="Rectangle 3">
-            <a:extLst>
-              <a:ext uri="{FF2B5EF4-FFF2-40B4-BE49-F238E27FC236}">
-                <a16:creationId xmlns:a16="http://schemas.microsoft.com/office/drawing/2014/main" id="{15D73C47-2770-30A3-51F7-BA0B51D668C7}"/>
-              </a:ext>
-            </a:extLst>
-          </p:cNvPr>
-          <p:cNvSpPr/>
-          <p:nvPr/>
-        </p:nvSpPr>
-        <p:spPr>
-          <a:xfrm>
-            <a:off x="8953995" y="3764478"/>
-            <a:ext cx="3238005" cy="3093522"/>
-          </a:xfrm>
-          <a:prstGeom prst="rect">
-            <a:avLst/>
-          </a:prstGeom>
-        </p:spPr>
-        <p:style>
-          <a:lnRef idx="2">
-            <a:schemeClr val="accent1">
-              <a:shade val="15000"/>
-            </a:schemeClr>
-          </a:lnRef>
-          <a:fillRef idx="1">
-            <a:schemeClr val="accent1"/>
-          </a:fillRef>
-          <a:effectRef idx="0">
-            <a:schemeClr val="accent1"/>
-          </a:effectRef>
-          <a:fontRef idx="minor">
-            <a:schemeClr val="lt1"/>
-          </a:fontRef>
-        </p:style>
-        <p:txBody>
-          <a:bodyPr rtlCol="0" anchor="ctr"/>
-          <a:lstStyle/>
-          <a:p>
-            <a:pPr algn="ctr"/>
-            <a:endParaRPr lang="en-AU"/>
-          </a:p>
-        </p:txBody>
-      </p:sp>
       <p:graphicFrame>
         <p:nvGraphicFramePr>
           <p:cNvPr id="5" name="Diagram 4">
@@ -23722,7 +24776,7 @@
         </p:xfrm>
         <a:graphic>
           <a:graphicData uri="http://schemas.openxmlformats.org/drawingml/2006/diagram">
-            <dgm:relIds xmlns:dgm="http://schemas.openxmlformats.org/drawingml/2006/diagram" xmlns:r="http://schemas.openxmlformats.org/officeDocument/2006/relationships" r:dm="rId2" r:lo="rId3" r:qs="rId4" r:cs="rId5"/>
+            <dgm:relIds xmlns:dgm="http://schemas.openxmlformats.org/drawingml/2006/diagram" xmlns:r="http://schemas.openxmlformats.org/officeDocument/2006/relationships" r:dm="rId3" r:lo="rId4" r:qs="rId5" r:cs="rId6"/>
           </a:graphicData>
         </a:graphic>
       </p:graphicFrame>
@@ -23741,7 +24795,7 @@
           <p:nvPr/>
         </p:nvPicPr>
         <p:blipFill>
-          <a:blip r:embed="rId7">
+          <a:blip r:embed="rId8">
             <a:extLst>
               <a:ext uri="{28A0092B-C50C-407E-A947-70E740481C1C}">
                 <a14:useLocalDpi xmlns:a14="http://schemas.microsoft.com/office/drawing/2010/main" val="0"/>
@@ -23773,6 +24827,58 @@
           </a:extLst>
         </p:spPr>
       </p:pic>
+      <p:sp>
+        <p:nvSpPr>
+          <p:cNvPr id="2" name="Rectangle 1">
+            <a:extLst>
+              <a:ext uri="{FF2B5EF4-FFF2-40B4-BE49-F238E27FC236}">
+                <a16:creationId xmlns:a16="http://schemas.microsoft.com/office/drawing/2014/main" id="{6EF5C17D-76A8-9CCE-A308-B971FBC90573}"/>
+              </a:ext>
+            </a:extLst>
+          </p:cNvPr>
+          <p:cNvSpPr/>
+          <p:nvPr/>
+        </p:nvSpPr>
+        <p:spPr>
+          <a:xfrm>
+            <a:off x="2607891" y="4765278"/>
+            <a:ext cx="1680189" cy="1091922"/>
+          </a:xfrm>
+          <a:prstGeom prst="rect">
+            <a:avLst/>
+          </a:prstGeom>
+          <a:noFill/>
+          <a:ln w="63500">
+            <a:solidFill>
+              <a:srgbClr val="FF0000"/>
+            </a:solidFill>
+          </a:ln>
+        </p:spPr>
+        <p:style>
+          <a:lnRef idx="2">
+            <a:schemeClr val="accent1">
+              <a:shade val="15000"/>
+            </a:schemeClr>
+          </a:lnRef>
+          <a:fillRef idx="1">
+            <a:schemeClr val="accent1"/>
+          </a:fillRef>
+          <a:effectRef idx="0">
+            <a:schemeClr val="accent1"/>
+          </a:effectRef>
+          <a:fontRef idx="minor">
+            <a:schemeClr val="lt1"/>
+          </a:fontRef>
+        </p:style>
+        <p:txBody>
+          <a:bodyPr rtlCol="0" anchor="ctr"/>
+          <a:lstStyle/>
+          <a:p>
+            <a:pPr algn="ctr"/>
+            <a:endParaRPr lang="en-AU"/>
+          </a:p>
+        </p:txBody>
+      </p:sp>
     </p:spTree>
     <p:extLst>
       <p:ext uri="{BB962C8B-B14F-4D97-AF65-F5344CB8AC3E}">
@@ -23783,10 +24889,96 @@
   <p:clrMapOvr>
     <a:masterClrMapping/>
   </p:clrMapOvr>
+  <p:timing>
+    <p:tnLst>
+      <p:par>
+        <p:cTn id="1" dur="indefinite" restart="never" nodeType="tmRoot">
+          <p:childTnLst>
+            <p:seq concurrent="1" nextAc="seek">
+              <p:cTn id="2" dur="indefinite" nodeType="mainSeq">
+                <p:childTnLst>
+                  <p:par>
+                    <p:cTn id="3" fill="hold">
+                      <p:stCondLst>
+                        <p:cond delay="indefinite"/>
+                      </p:stCondLst>
+                      <p:childTnLst>
+                        <p:par>
+                          <p:cTn id="4" fill="hold">
+                            <p:stCondLst>
+                              <p:cond delay="0"/>
+                            </p:stCondLst>
+                            <p:childTnLst>
+                              <p:par>
+                                <p:cTn id="5" presetID="10" presetClass="entr" presetSubtype="0" fill="hold" grpId="0" nodeType="clickEffect">
+                                  <p:stCondLst>
+                                    <p:cond delay="0"/>
+                                  </p:stCondLst>
+                                  <p:childTnLst>
+                                    <p:set>
+                                      <p:cBhvr>
+                                        <p:cTn id="6" dur="1" fill="hold">
+                                          <p:stCondLst>
+                                            <p:cond delay="0"/>
+                                          </p:stCondLst>
+                                        </p:cTn>
+                                        <p:tgtEl>
+                                          <p:spTgt spid="2"/>
+                                        </p:tgtEl>
+                                        <p:attrNameLst>
+                                          <p:attrName>style.visibility</p:attrName>
+                                        </p:attrNameLst>
+                                      </p:cBhvr>
+                                      <p:to>
+                                        <p:strVal val="visible"/>
+                                      </p:to>
+                                    </p:set>
+                                    <p:animEffect transition="in" filter="fade">
+                                      <p:cBhvr>
+                                        <p:cTn id="7" dur="500"/>
+                                        <p:tgtEl>
+                                          <p:spTgt spid="2"/>
+                                        </p:tgtEl>
+                                      </p:cBhvr>
+                                    </p:animEffect>
+                                  </p:childTnLst>
+                                </p:cTn>
+                              </p:par>
+                            </p:childTnLst>
+                          </p:cTn>
+                        </p:par>
+                      </p:childTnLst>
+                    </p:cTn>
+                  </p:par>
+                </p:childTnLst>
+              </p:cTn>
+              <p:prevCondLst>
+                <p:cond evt="onPrev" delay="0">
+                  <p:tgtEl>
+                    <p:sldTgt/>
+                  </p:tgtEl>
+                </p:cond>
+              </p:prevCondLst>
+              <p:nextCondLst>
+                <p:cond evt="onNext" delay="0">
+                  <p:tgtEl>
+                    <p:sldTgt/>
+                  </p:tgtEl>
+                </p:cond>
+              </p:nextCondLst>
+            </p:seq>
+          </p:childTnLst>
+        </p:cTn>
+      </p:par>
+    </p:tnLst>
+    <p:bldLst>
+      <p:bldP spid="2" grpId="0" animBg="1"/>
+    </p:bldLst>
+  </p:timing>
 </p:sld>
 </file>
 
-<file path=ppt/slides/slide3.xml><?xml version="1.0" encoding="utf-8"?>
+<file path=ppt/slides/slide2.xml><?xml version="1.0" encoding="utf-8"?>
 <p:sld xmlns:a="http://schemas.openxmlformats.org/drawingml/2006/main" xmlns:r="http://schemas.openxmlformats.org/officeDocument/2006/relationships" xmlns:p="http://schemas.openxmlformats.org/presentationml/2006/main">
   <p:cSld>
     <p:spTree>
@@ -23898,7 +25090,7 @@
           <p:nvPr/>
         </p:nvPicPr>
         <p:blipFill>
-          <a:blip r:embed="rId2">
+          <a:blip r:embed="rId3">
             <a:extLst>
               <a:ext uri="{28A0092B-C50C-407E-A947-70E740481C1C}">
                 <a14:useLocalDpi xmlns:a14="http://schemas.microsoft.com/office/drawing/2010/main" val="0"/>
@@ -23945,7 +25137,7 @@
           <p:nvPr/>
         </p:nvPicPr>
         <p:blipFill>
-          <a:blip r:embed="rId3"/>
+          <a:blip r:embed="rId4"/>
           <a:stretch>
             <a:fillRect/>
           </a:stretch>
@@ -23970,10 +25162,22 @@
   <p:clrMapOvr>
     <a:masterClrMapping/>
   </p:clrMapOvr>
+  <mc:AlternateContent xmlns:mc="http://schemas.openxmlformats.org/markup-compatibility/2006">
+    <mc:Choice xmlns:p14="http://schemas.microsoft.com/office/powerpoint/2010/main" Requires="p14">
+      <p:transition spd="med" p14:dur="700">
+        <p:fade/>
+      </p:transition>
+    </mc:Choice>
+    <mc:Fallback>
+      <p:transition spd="med">
+        <p:fade/>
+      </p:transition>
+    </mc:Fallback>
+  </mc:AlternateContent>
 </p:sld>
 </file>
 
-<file path=ppt/slides/slide4.xml><?xml version="1.0" encoding="utf-8"?>
+<file path=ppt/slides/slide3.xml><?xml version="1.0" encoding="utf-8"?>
 <p:sld xmlns:a="http://schemas.openxmlformats.org/drawingml/2006/main" xmlns:r="http://schemas.openxmlformats.org/officeDocument/2006/relationships" xmlns:p="http://schemas.openxmlformats.org/presentationml/2006/main">
   <p:cSld>
     <p:spTree>
@@ -24173,7 +25377,7 @@
           <p:nvPr/>
         </p:nvPicPr>
         <p:blipFill>
-          <a:blip r:embed="rId2">
+          <a:blip r:embed="rId3">
             <a:extLst>
               <a:ext uri="{28A0092B-C50C-407E-A947-70E740481C1C}">
                 <a14:useLocalDpi xmlns:a14="http://schemas.microsoft.com/office/drawing/2010/main" val="0"/>
@@ -24215,6 +25419,18 @@
   <p:clrMapOvr>
     <a:masterClrMapping/>
   </p:clrMapOvr>
+  <mc:AlternateContent xmlns:mc="http://schemas.openxmlformats.org/markup-compatibility/2006">
+    <mc:Choice xmlns:p14="http://schemas.microsoft.com/office/powerpoint/2010/main" Requires="p14">
+      <p:transition spd="med" p14:dur="700">
+        <p:fade/>
+      </p:transition>
+    </mc:Choice>
+    <mc:Fallback>
+      <p:transition spd="med">
+        <p:fade/>
+      </p:transition>
+    </mc:Fallback>
+  </mc:AlternateContent>
 </p:sld>
 </file>
 
@@ -24417,4 +25633,319 @@
     </a:ext>
   </a:extLst>
 </a:theme>
+</file>
+
+<file path=ppt/theme/theme2.xml><?xml version="1.0" encoding="utf-8"?>
+<a:theme xmlns:a="http://schemas.openxmlformats.org/drawingml/2006/main" name="Office Theme">
+  <a:themeElements>
+    <a:clrScheme name="Office">
+      <a:dk1>
+        <a:sysClr val="windowText" lastClr="000000"/>
+      </a:dk1>
+      <a:lt1>
+        <a:sysClr val="window" lastClr="FFFFFF"/>
+      </a:lt1>
+      <a:dk2>
+        <a:srgbClr val="0E2841"/>
+      </a:dk2>
+      <a:lt2>
+        <a:srgbClr val="E8E8E8"/>
+      </a:lt2>
+      <a:accent1>
+        <a:srgbClr val="156082"/>
+      </a:accent1>
+      <a:accent2>
+        <a:srgbClr val="E97132"/>
+      </a:accent2>
+      <a:accent3>
+        <a:srgbClr val="196B24"/>
+      </a:accent3>
+      <a:accent4>
+        <a:srgbClr val="0F9ED5"/>
+      </a:accent4>
+      <a:accent5>
+        <a:srgbClr val="A02B93"/>
+      </a:accent5>
+      <a:accent6>
+        <a:srgbClr val="4EA72E"/>
+      </a:accent6>
+      <a:hlink>
+        <a:srgbClr val="467886"/>
+      </a:hlink>
+      <a:folHlink>
+        <a:srgbClr val="96607D"/>
+      </a:folHlink>
+    </a:clrScheme>
+    <a:fontScheme name="Office">
+      <a:majorFont>
+        <a:latin typeface="Aptos Display" panose="02110004020202020204"/>
+        <a:ea typeface=""/>
+        <a:cs typeface=""/>
+        <a:font script="Jpan" typeface="游ゴシック Light"/>
+        <a:font script="Hang" typeface="맑은 고딕"/>
+        <a:font script="Hans" typeface="等线 Light"/>
+        <a:font script="Hant" typeface="新細明體"/>
+        <a:font script="Arab" typeface="Times New Roman"/>
+        <a:font script="Hebr" typeface="Times New Roman"/>
+        <a:font script="Thai" typeface="Angsana New"/>
+        <a:font script="Ethi" typeface="Nyala"/>
+        <a:font script="Beng" typeface="Vrinda"/>
+        <a:font script="Gujr" typeface="Shruti"/>
+        <a:font script="Khmr" typeface="MoolBoran"/>
+        <a:font script="Knda" typeface="Tunga"/>
+        <a:font script="Guru" typeface="Raavi"/>
+        <a:font script="Cans" typeface="Euphemia"/>
+        <a:font script="Cher" typeface="Plantagenet Cherokee"/>
+        <a:font script="Yiii" typeface="Microsoft Yi Baiti"/>
+        <a:font script="Tibt" typeface="Microsoft Himalaya"/>
+        <a:font script="Thaa" typeface="MV Boli"/>
+        <a:font script="Deva" typeface="Mangal"/>
+        <a:font script="Telu" typeface="Gautami"/>
+        <a:font script="Taml" typeface="Latha"/>
+        <a:font script="Syrc" typeface="Estrangelo Edessa"/>
+        <a:font script="Orya" typeface="Kalinga"/>
+        <a:font script="Mlym" typeface="Kartika"/>
+        <a:font script="Laoo" typeface="DokChampa"/>
+        <a:font script="Sinh" typeface="Iskoola Pota"/>
+        <a:font script="Mong" typeface="Mongolian Baiti"/>
+        <a:font script="Viet" typeface="Times New Roman"/>
+        <a:font script="Uigh" typeface="Microsoft Uighur"/>
+        <a:font script="Geor" typeface="Sylfaen"/>
+        <a:font script="Armn" typeface="Arial"/>
+        <a:font script="Bugi" typeface="Leelawadee UI"/>
+        <a:font script="Bopo" typeface="Microsoft JhengHei"/>
+        <a:font script="Java" typeface="Javanese Text"/>
+        <a:font script="Lisu" typeface="Segoe UI"/>
+        <a:font script="Mymr" typeface="Myanmar Text"/>
+        <a:font script="Nkoo" typeface="Ebrima"/>
+        <a:font script="Olck" typeface="Nirmala UI"/>
+        <a:font script="Osma" typeface="Ebrima"/>
+        <a:font script="Phag" typeface="Phagspa"/>
+        <a:font script="Syrn" typeface="Estrangelo Edessa"/>
+        <a:font script="Syrj" typeface="Estrangelo Edessa"/>
+        <a:font script="Syre" typeface="Estrangelo Edessa"/>
+        <a:font script="Sora" typeface="Nirmala UI"/>
+        <a:font script="Tale" typeface="Microsoft Tai Le"/>
+        <a:font script="Talu" typeface="Microsoft New Tai Lue"/>
+        <a:font script="Tfng" typeface="Ebrima"/>
+      </a:majorFont>
+      <a:minorFont>
+        <a:latin typeface="Aptos" panose="02110004020202020204"/>
+        <a:ea typeface=""/>
+        <a:cs typeface=""/>
+        <a:font script="Jpan" typeface="游ゴシック"/>
+        <a:font script="Hang" typeface="맑은 고딕"/>
+        <a:font script="Hans" typeface="等线"/>
+        <a:font script="Hant" typeface="新細明體"/>
+        <a:font script="Arab" typeface="Arial"/>
+        <a:font script="Hebr" typeface="Arial"/>
+        <a:font script="Thai" typeface="Cordia New"/>
+        <a:font script="Ethi" typeface="Nyala"/>
+        <a:font script="Beng" typeface="Vrinda"/>
+        <a:font script="Gujr" typeface="Shruti"/>
+        <a:font script="Khmr" typeface="DaunPenh"/>
+        <a:font script="Knda" typeface="Tunga"/>
+        <a:font script="Guru" typeface="Raavi"/>
+        <a:font script="Cans" typeface="Euphemia"/>
+        <a:font script="Cher" typeface="Plantagenet Cherokee"/>
+        <a:font script="Yiii" typeface="Microsoft Yi Baiti"/>
+        <a:font script="Tibt" typeface="Microsoft Himalaya"/>
+        <a:font script="Thaa" typeface="MV Boli"/>
+        <a:font script="Deva" typeface="Mangal"/>
+        <a:font script="Telu" typeface="Gautami"/>
+        <a:font script="Taml" typeface="Latha"/>
+        <a:font script="Syrc" typeface="Estrangelo Edessa"/>
+        <a:font script="Orya" typeface="Kalinga"/>
+        <a:font script="Mlym" typeface="Kartika"/>
+        <a:font script="Laoo" typeface="DokChampa"/>
+        <a:font script="Sinh" typeface="Iskoola Pota"/>
+        <a:font script="Mong" typeface="Mongolian Baiti"/>
+        <a:font script="Viet" typeface="Arial"/>
+        <a:font script="Uigh" typeface="Microsoft Uighur"/>
+        <a:font script="Geor" typeface="Sylfaen"/>
+        <a:font script="Armn" typeface="Arial"/>
+        <a:font script="Bugi" typeface="Leelawadee UI"/>
+        <a:font script="Bopo" typeface="Microsoft JhengHei"/>
+        <a:font script="Java" typeface="Javanese Text"/>
+        <a:font script="Lisu" typeface="Segoe UI"/>
+        <a:font script="Mymr" typeface="Myanmar Text"/>
+        <a:font script="Nkoo" typeface="Ebrima"/>
+        <a:font script="Olck" typeface="Nirmala UI"/>
+        <a:font script="Osma" typeface="Ebrima"/>
+        <a:font script="Phag" typeface="Phagspa"/>
+        <a:font script="Syrn" typeface="Estrangelo Edessa"/>
+        <a:font script="Syrj" typeface="Estrangelo Edessa"/>
+        <a:font script="Syre" typeface="Estrangelo Edessa"/>
+        <a:font script="Sora" typeface="Nirmala UI"/>
+        <a:font script="Tale" typeface="Microsoft Tai Le"/>
+        <a:font script="Talu" typeface="Microsoft New Tai Lue"/>
+        <a:font script="Tfng" typeface="Ebrima"/>
+      </a:minorFont>
+    </a:fontScheme>
+    <a:fmtScheme name="Office">
+      <a:fillStyleLst>
+        <a:solidFill>
+          <a:schemeClr val="phClr"/>
+        </a:solidFill>
+        <a:gradFill rotWithShape="1">
+          <a:gsLst>
+            <a:gs pos="0">
+              <a:schemeClr val="phClr">
+                <a:lumMod val="110000"/>
+                <a:satMod val="105000"/>
+                <a:tint val="67000"/>
+              </a:schemeClr>
+            </a:gs>
+            <a:gs pos="50000">
+              <a:schemeClr val="phClr">
+                <a:lumMod val="105000"/>
+                <a:satMod val="103000"/>
+                <a:tint val="73000"/>
+              </a:schemeClr>
+            </a:gs>
+            <a:gs pos="100000">
+              <a:schemeClr val="phClr">
+                <a:lumMod val="105000"/>
+                <a:satMod val="109000"/>
+                <a:tint val="81000"/>
+              </a:schemeClr>
+            </a:gs>
+          </a:gsLst>
+          <a:lin ang="5400000" scaled="0"/>
+        </a:gradFill>
+        <a:gradFill rotWithShape="1">
+          <a:gsLst>
+            <a:gs pos="0">
+              <a:schemeClr val="phClr">
+                <a:satMod val="103000"/>
+                <a:lumMod val="102000"/>
+                <a:tint val="94000"/>
+              </a:schemeClr>
+            </a:gs>
+            <a:gs pos="50000">
+              <a:schemeClr val="phClr">
+                <a:satMod val="110000"/>
+                <a:lumMod val="100000"/>
+                <a:shade val="100000"/>
+              </a:schemeClr>
+            </a:gs>
+            <a:gs pos="100000">
+              <a:schemeClr val="phClr">
+                <a:lumMod val="99000"/>
+                <a:satMod val="120000"/>
+                <a:shade val="78000"/>
+              </a:schemeClr>
+            </a:gs>
+          </a:gsLst>
+          <a:lin ang="5400000" scaled="0"/>
+        </a:gradFill>
+      </a:fillStyleLst>
+      <a:lnStyleLst>
+        <a:ln w="12700" cap="flat" cmpd="sng" algn="ctr">
+          <a:solidFill>
+            <a:schemeClr val="phClr"/>
+          </a:solidFill>
+          <a:prstDash val="solid"/>
+          <a:miter lim="800000"/>
+        </a:ln>
+        <a:ln w="19050" cap="flat" cmpd="sng" algn="ctr">
+          <a:solidFill>
+            <a:schemeClr val="phClr"/>
+          </a:solidFill>
+          <a:prstDash val="solid"/>
+          <a:miter lim="800000"/>
+        </a:ln>
+        <a:ln w="25400" cap="flat" cmpd="sng" algn="ctr">
+          <a:solidFill>
+            <a:schemeClr val="phClr"/>
+          </a:solidFill>
+          <a:prstDash val="solid"/>
+          <a:miter lim="800000"/>
+        </a:ln>
+      </a:lnStyleLst>
+      <a:effectStyleLst>
+        <a:effectStyle>
+          <a:effectLst/>
+        </a:effectStyle>
+        <a:effectStyle>
+          <a:effectLst/>
+        </a:effectStyle>
+        <a:effectStyle>
+          <a:effectLst>
+            <a:outerShdw blurRad="57150" dist="19050" dir="5400000" algn="ctr" rotWithShape="0">
+              <a:srgbClr val="000000">
+                <a:alpha val="63000"/>
+              </a:srgbClr>
+            </a:outerShdw>
+          </a:effectLst>
+        </a:effectStyle>
+      </a:effectStyleLst>
+      <a:bgFillStyleLst>
+        <a:solidFill>
+          <a:schemeClr val="phClr"/>
+        </a:solidFill>
+        <a:solidFill>
+          <a:schemeClr val="phClr">
+            <a:tint val="95000"/>
+            <a:satMod val="170000"/>
+          </a:schemeClr>
+        </a:solidFill>
+        <a:gradFill rotWithShape="1">
+          <a:gsLst>
+            <a:gs pos="0">
+              <a:schemeClr val="phClr">
+                <a:tint val="93000"/>
+                <a:satMod val="150000"/>
+                <a:shade val="98000"/>
+                <a:lumMod val="102000"/>
+              </a:schemeClr>
+            </a:gs>
+            <a:gs pos="50000">
+              <a:schemeClr val="phClr">
+                <a:tint val="98000"/>
+                <a:satMod val="130000"/>
+                <a:shade val="90000"/>
+                <a:lumMod val="103000"/>
+              </a:schemeClr>
+            </a:gs>
+            <a:gs pos="100000">
+              <a:schemeClr val="phClr">
+                <a:shade val="63000"/>
+                <a:satMod val="120000"/>
+              </a:schemeClr>
+            </a:gs>
+          </a:gsLst>
+          <a:lin ang="5400000" scaled="0"/>
+        </a:gradFill>
+      </a:bgFillStyleLst>
+    </a:fmtScheme>
+  </a:themeElements>
+  <a:objectDefaults>
+    <a:lnDef>
+      <a:spPr/>
+      <a:bodyPr/>
+      <a:lstStyle/>
+      <a:style>
+        <a:lnRef idx="2">
+          <a:schemeClr val="accent1"/>
+        </a:lnRef>
+        <a:fillRef idx="0">
+          <a:schemeClr val="accent1"/>
+        </a:fillRef>
+        <a:effectRef idx="1">
+          <a:schemeClr val="accent1"/>
+        </a:effectRef>
+        <a:fontRef idx="minor">
+          <a:schemeClr val="tx1"/>
+        </a:fontRef>
+      </a:style>
+    </a:lnDef>
+  </a:objectDefaults>
+  <a:extraClrSchemeLst/>
+  <a:extLst>
+    <a:ext uri="{05A4C25C-085E-4340-85A3-A5531E510DB2}">
+      <thm15:themeFamily xmlns:thm15="http://schemas.microsoft.com/office/thememl/2012/main" name="Office Theme" id="{2E142A2C-CD16-42D6-873A-C26D2A0506FA}" vid="{1BDDFF52-6CD6-40A5-AB3C-68EB2F1E4D0A}"/>
+    </a:ext>
+  </a:extLst>
+</a:theme>
 </file>